--- a/cmsc125/ostep/slides/00.Introduction/Introduction_to_operating_system.pptx
+++ b/cmsc125/ostep/slides/00.Introduction/Introduction_to_operating_system.pptx
@@ -5,7 +5,7 @@
     <p:sldMasterId id="2147483670" r:id="rId1"/>
   </p:sldMasterIdLst>
   <p:notesMasterIdLst>
-    <p:notesMasterId r:id="rId31"/>
+    <p:notesMasterId r:id="rId38"/>
   </p:notesMasterIdLst>
   <p:sldIdLst>
     <p:sldId id="298" r:id="rId2"/>
@@ -17,26 +17,33 @@
     <p:sldId id="273" r:id="rId8"/>
     <p:sldId id="274" r:id="rId9"/>
     <p:sldId id="275" r:id="rId10"/>
-    <p:sldId id="276" r:id="rId11"/>
-    <p:sldId id="277" r:id="rId12"/>
-    <p:sldId id="278" r:id="rId13"/>
-    <p:sldId id="279" r:id="rId14"/>
-    <p:sldId id="280" r:id="rId15"/>
-    <p:sldId id="281" r:id="rId16"/>
-    <p:sldId id="282" r:id="rId17"/>
-    <p:sldId id="283" r:id="rId18"/>
-    <p:sldId id="284" r:id="rId19"/>
-    <p:sldId id="285" r:id="rId20"/>
-    <p:sldId id="286" r:id="rId21"/>
-    <p:sldId id="287" r:id="rId22"/>
-    <p:sldId id="288" r:id="rId23"/>
-    <p:sldId id="289" r:id="rId24"/>
-    <p:sldId id="290" r:id="rId25"/>
-    <p:sldId id="291" r:id="rId26"/>
-    <p:sldId id="292" r:id="rId27"/>
-    <p:sldId id="293" r:id="rId28"/>
-    <p:sldId id="294" r:id="rId29"/>
-    <p:sldId id="295" r:id="rId30"/>
+    <p:sldId id="299" r:id="rId11"/>
+    <p:sldId id="276" r:id="rId12"/>
+    <p:sldId id="277" r:id="rId13"/>
+    <p:sldId id="278" r:id="rId14"/>
+    <p:sldId id="279" r:id="rId15"/>
+    <p:sldId id="300" r:id="rId16"/>
+    <p:sldId id="280" r:id="rId17"/>
+    <p:sldId id="281" r:id="rId18"/>
+    <p:sldId id="282" r:id="rId19"/>
+    <p:sldId id="283" r:id="rId20"/>
+    <p:sldId id="284" r:id="rId21"/>
+    <p:sldId id="285" r:id="rId22"/>
+    <p:sldId id="286" r:id="rId23"/>
+    <p:sldId id="287" r:id="rId24"/>
+    <p:sldId id="288" r:id="rId25"/>
+    <p:sldId id="289" r:id="rId26"/>
+    <p:sldId id="290" r:id="rId27"/>
+    <p:sldId id="291" r:id="rId28"/>
+    <p:sldId id="292" r:id="rId29"/>
+    <p:sldId id="293" r:id="rId30"/>
+    <p:sldId id="294" r:id="rId31"/>
+    <p:sldId id="295" r:id="rId32"/>
+    <p:sldId id="301" r:id="rId33"/>
+    <p:sldId id="302" r:id="rId34"/>
+    <p:sldId id="303" r:id="rId35"/>
+    <p:sldId id="304" r:id="rId36"/>
+    <p:sldId id="305" r:id="rId37"/>
   </p:sldIdLst>
   <p:sldSz cx="12192000" cy="6858000"/>
   <p:notesSz cx="6797675" cy="9928225"/>
@@ -266,7 +273,7 @@
           <a:p>
             <a:fld id="{050F0499-AE52-4672-879B-3107B2FC2A9F}" type="datetimeFigureOut">
               <a:rPr lang="ko-KR" altLang="en-US" smtClean="0"/>
-              <a:t>2021-07-20</a:t>
+              <a:t>2021-08-10</a:t>
             </a:fld>
             <a:endParaRPr lang="ko-KR" altLang="en-US"/>
           </a:p>
@@ -493,7 +500,7 @@
       </p:grpSpPr>
       <p:sp>
         <p:nvSpPr>
-          <p:cNvPr id="2" name="슬라이드 이미지 개체 틀 1"/>
+          <p:cNvPr id="2" name="Slide Image Placeholder 1"/>
           <p:cNvSpPr>
             <a:spLocks noGrp="1" noRot="1" noChangeAspect="1"/>
           </p:cNvSpPr>
@@ -505,7 +512,7 @@
       </p:sp>
       <p:sp>
         <p:nvSpPr>
-          <p:cNvPr id="3" name="슬라이드 노트 개체 틀 2"/>
+          <p:cNvPr id="3" name="Notes Placeholder 2"/>
           <p:cNvSpPr>
             <a:spLocks noGrp="1"/>
           </p:cNvSpPr>
@@ -526,18 +533,18 @@
           <a:bodyPr/>
           <a:lstStyle/>
           <a:p>
-            <a:endParaRPr lang="ko-KR" altLang="en-US"/>
+            <a:endParaRPr lang="en-PH" dirty="0"/>
           </a:p>
         </p:txBody>
       </p:sp>
       <p:sp>
         <p:nvSpPr>
-          <p:cNvPr id="4" name="슬라이드 번호 개체 틀 3"/>
+          <p:cNvPr id="4" name="Slide Number Placeholder 3"/>
           <p:cNvSpPr>
             <a:spLocks noGrp="1"/>
           </p:cNvSpPr>
           <p:nvPr>
-            <p:ph type="sldNum" sz="quarter" idx="10"/>
+            <p:ph type="sldNum" sz="quarter" idx="5"/>
           </p:nvPr>
         </p:nvSpPr>
         <p:spPr/>
@@ -547,7 +554,7 @@
           <a:p>
             <a:fld id="{E9CED1A8-8C93-4BD0-9402-1D92621696DA}" type="slidenum">
               <a:rPr lang="ko-KR" altLang="en-US" smtClean="0"/>
-              <a:t>4</a:t>
+              <a:t>1</a:t>
             </a:fld>
             <a:endParaRPr lang="ko-KR" altLang="en-US"/>
           </a:p>
@@ -556,7 +563,99 @@
     </p:spTree>
     <p:extLst>
       <p:ext uri="{BB962C8B-B14F-4D97-AF65-F5344CB8AC3E}">
-        <p14:creationId xmlns:p14="http://schemas.microsoft.com/office/powerpoint/2010/main" val="3406308960"/>
+        <p14:creationId xmlns:p14="http://schemas.microsoft.com/office/powerpoint/2010/main" val="4172189481"/>
+      </p:ext>
+    </p:extLst>
+  </p:cSld>
+  <p:clrMapOvr>
+    <a:masterClrMapping/>
+  </p:clrMapOvr>
+</p:notes>
+</file>
+
+<file path=ppt/notesSlides/notesSlide10.xml><?xml version="1.0" encoding="utf-8"?>
+<p:notes xmlns:a="http://schemas.openxmlformats.org/drawingml/2006/main" xmlns:r="http://schemas.openxmlformats.org/officeDocument/2006/relationships" xmlns:p="http://schemas.openxmlformats.org/presentationml/2006/main">
+  <p:cSld>
+    <p:spTree>
+      <p:nvGrpSpPr>
+        <p:cNvPr id="1" name=""/>
+        <p:cNvGrpSpPr/>
+        <p:nvPr/>
+      </p:nvGrpSpPr>
+      <p:grpSpPr>
+        <a:xfrm>
+          <a:off x="0" y="0"/>
+          <a:ext cx="0" cy="0"/>
+          <a:chOff x="0" y="0"/>
+          <a:chExt cx="0" cy="0"/>
+        </a:xfrm>
+      </p:grpSpPr>
+      <p:sp>
+        <p:nvSpPr>
+          <p:cNvPr id="2" name="Slide Image Placeholder 1"/>
+          <p:cNvSpPr>
+            <a:spLocks noGrp="1" noRot="1" noChangeAspect="1"/>
+          </p:cNvSpPr>
+          <p:nvPr>
+            <p:ph type="sldImg"/>
+          </p:nvPr>
+        </p:nvSpPr>
+        <p:spPr/>
+      </p:sp>
+      <p:sp>
+        <p:nvSpPr>
+          <p:cNvPr id="3" name="Notes Placeholder 2"/>
+          <p:cNvSpPr>
+            <a:spLocks noGrp="1"/>
+          </p:cNvSpPr>
+          <p:nvPr>
+            <p:ph type="body" idx="1"/>
+          </p:nvPr>
+        </p:nvSpPr>
+        <p:spPr>
+          <a:xfrm>
+            <a:off x="679450" y="4778375"/>
+            <a:ext cx="5438775" cy="3908425"/>
+          </a:xfrm>
+          <a:prstGeom prst="rect">
+            <a:avLst/>
+          </a:prstGeom>
+        </p:spPr>
+        <p:txBody>
+          <a:bodyPr/>
+          <a:lstStyle/>
+          <a:p>
+            <a:endParaRPr lang="en-PH"/>
+          </a:p>
+        </p:txBody>
+      </p:sp>
+      <p:sp>
+        <p:nvSpPr>
+          <p:cNvPr id="4" name="Slide Number Placeholder 3"/>
+          <p:cNvSpPr>
+            <a:spLocks noGrp="1"/>
+          </p:cNvSpPr>
+          <p:nvPr>
+            <p:ph type="sldNum" sz="quarter" idx="5"/>
+          </p:nvPr>
+        </p:nvSpPr>
+        <p:spPr/>
+        <p:txBody>
+          <a:bodyPr/>
+          <a:lstStyle/>
+          <a:p>
+            <a:fld id="{E9CED1A8-8C93-4BD0-9402-1D92621696DA}" type="slidenum">
+              <a:rPr lang="ko-KR" altLang="en-US" smtClean="0"/>
+              <a:t>36</a:t>
+            </a:fld>
+            <a:endParaRPr lang="ko-KR" altLang="en-US"/>
+          </a:p>
+        </p:txBody>
+      </p:sp>
+    </p:spTree>
+    <p:extLst>
+      <p:ext uri="{BB962C8B-B14F-4D97-AF65-F5344CB8AC3E}">
+        <p14:creationId xmlns:p14="http://schemas.microsoft.com/office/powerpoint/2010/main" val="682630989"/>
       </p:ext>
     </p:extLst>
   </p:cSld>
@@ -639,6 +738,98 @@
           <a:p>
             <a:fld id="{E9CED1A8-8C93-4BD0-9402-1D92621696DA}" type="slidenum">
               <a:rPr lang="ko-KR" altLang="en-US" smtClean="0"/>
+              <a:t>4</a:t>
+            </a:fld>
+            <a:endParaRPr lang="ko-KR" altLang="en-US"/>
+          </a:p>
+        </p:txBody>
+      </p:sp>
+    </p:spTree>
+    <p:extLst>
+      <p:ext uri="{BB962C8B-B14F-4D97-AF65-F5344CB8AC3E}">
+        <p14:creationId xmlns:p14="http://schemas.microsoft.com/office/powerpoint/2010/main" val="3406308960"/>
+      </p:ext>
+    </p:extLst>
+  </p:cSld>
+  <p:clrMapOvr>
+    <a:masterClrMapping/>
+  </p:clrMapOvr>
+</p:notes>
+</file>
+
+<file path=ppt/notesSlides/notesSlide3.xml><?xml version="1.0" encoding="utf-8"?>
+<p:notes xmlns:a="http://schemas.openxmlformats.org/drawingml/2006/main" xmlns:r="http://schemas.openxmlformats.org/officeDocument/2006/relationships" xmlns:p="http://schemas.openxmlformats.org/presentationml/2006/main">
+  <p:cSld>
+    <p:spTree>
+      <p:nvGrpSpPr>
+        <p:cNvPr id="1" name=""/>
+        <p:cNvGrpSpPr/>
+        <p:nvPr/>
+      </p:nvGrpSpPr>
+      <p:grpSpPr>
+        <a:xfrm>
+          <a:off x="0" y="0"/>
+          <a:ext cx="0" cy="0"/>
+          <a:chOff x="0" y="0"/>
+          <a:chExt cx="0" cy="0"/>
+        </a:xfrm>
+      </p:grpSpPr>
+      <p:sp>
+        <p:nvSpPr>
+          <p:cNvPr id="2" name="슬라이드 이미지 개체 틀 1"/>
+          <p:cNvSpPr>
+            <a:spLocks noGrp="1" noRot="1" noChangeAspect="1"/>
+          </p:cNvSpPr>
+          <p:nvPr>
+            <p:ph type="sldImg"/>
+          </p:nvPr>
+        </p:nvSpPr>
+        <p:spPr/>
+      </p:sp>
+      <p:sp>
+        <p:nvSpPr>
+          <p:cNvPr id="3" name="슬라이드 노트 개체 틀 2"/>
+          <p:cNvSpPr>
+            <a:spLocks noGrp="1"/>
+          </p:cNvSpPr>
+          <p:nvPr>
+            <p:ph type="body" idx="1"/>
+          </p:nvPr>
+        </p:nvSpPr>
+        <p:spPr>
+          <a:xfrm>
+            <a:off x="679450" y="4778375"/>
+            <a:ext cx="5438775" cy="3908425"/>
+          </a:xfrm>
+          <a:prstGeom prst="rect">
+            <a:avLst/>
+          </a:prstGeom>
+        </p:spPr>
+        <p:txBody>
+          <a:bodyPr/>
+          <a:lstStyle/>
+          <a:p>
+            <a:endParaRPr lang="ko-KR" altLang="en-US" sz="1400" baseline="0" dirty="0"/>
+          </a:p>
+        </p:txBody>
+      </p:sp>
+      <p:sp>
+        <p:nvSpPr>
+          <p:cNvPr id="4" name="슬라이드 번호 개체 틀 3"/>
+          <p:cNvSpPr>
+            <a:spLocks noGrp="1"/>
+          </p:cNvSpPr>
+          <p:nvPr>
+            <p:ph type="sldNum" sz="quarter" idx="10"/>
+          </p:nvPr>
+        </p:nvSpPr>
+        <p:spPr/>
+        <p:txBody>
+          <a:bodyPr/>
+          <a:lstStyle/>
+          <a:p>
+            <a:fld id="{E9CED1A8-8C93-4BD0-9402-1D92621696DA}" type="slidenum">
+              <a:rPr lang="ko-KR" altLang="en-US" smtClean="0"/>
               <a:t>5</a:t>
             </a:fld>
             <a:endParaRPr lang="ko-KR" altLang="en-US"/>
@@ -649,6 +840,618 @@
     <p:extLst>
       <p:ext uri="{BB962C8B-B14F-4D97-AF65-F5344CB8AC3E}">
         <p14:creationId xmlns:p14="http://schemas.microsoft.com/office/powerpoint/2010/main" val="1184663691"/>
+      </p:ext>
+    </p:extLst>
+  </p:cSld>
+  <p:clrMapOvr>
+    <a:masterClrMapping/>
+  </p:clrMapOvr>
+</p:notes>
+</file>
+
+<file path=ppt/notesSlides/notesSlide4.xml><?xml version="1.0" encoding="utf-8"?>
+<p:notes xmlns:a="http://schemas.openxmlformats.org/drawingml/2006/main" xmlns:r="http://schemas.openxmlformats.org/officeDocument/2006/relationships" xmlns:p="http://schemas.openxmlformats.org/presentationml/2006/main">
+  <p:cSld>
+    <p:spTree>
+      <p:nvGrpSpPr>
+        <p:cNvPr id="1" name=""/>
+        <p:cNvGrpSpPr/>
+        <p:nvPr/>
+      </p:nvGrpSpPr>
+      <p:grpSpPr>
+        <a:xfrm>
+          <a:off x="0" y="0"/>
+          <a:ext cx="0" cy="0"/>
+          <a:chOff x="0" y="0"/>
+          <a:chExt cx="0" cy="0"/>
+        </a:xfrm>
+      </p:grpSpPr>
+      <p:sp>
+        <p:nvSpPr>
+          <p:cNvPr id="2" name="Slide Image Placeholder 1"/>
+          <p:cNvSpPr>
+            <a:spLocks noGrp="1" noRot="1" noChangeAspect="1"/>
+          </p:cNvSpPr>
+          <p:nvPr>
+            <p:ph type="sldImg"/>
+          </p:nvPr>
+        </p:nvSpPr>
+        <p:spPr/>
+      </p:sp>
+      <p:sp>
+        <p:nvSpPr>
+          <p:cNvPr id="3" name="Notes Placeholder 2"/>
+          <p:cNvSpPr>
+            <a:spLocks noGrp="1"/>
+          </p:cNvSpPr>
+          <p:nvPr>
+            <p:ph type="body" idx="1"/>
+          </p:nvPr>
+        </p:nvSpPr>
+        <p:spPr>
+          <a:xfrm>
+            <a:off x="679450" y="4778375"/>
+            <a:ext cx="5438775" cy="3908425"/>
+          </a:xfrm>
+          <a:prstGeom prst="rect">
+            <a:avLst/>
+          </a:prstGeom>
+        </p:spPr>
+        <p:txBody>
+          <a:bodyPr/>
+          <a:lstStyle/>
+          <a:p>
+            <a:endParaRPr lang="en-PH" dirty="0"/>
+          </a:p>
+        </p:txBody>
+      </p:sp>
+      <p:sp>
+        <p:nvSpPr>
+          <p:cNvPr id="4" name="Slide Number Placeholder 3"/>
+          <p:cNvSpPr>
+            <a:spLocks noGrp="1"/>
+          </p:cNvSpPr>
+          <p:nvPr>
+            <p:ph type="sldNum" sz="quarter" idx="5"/>
+          </p:nvPr>
+        </p:nvSpPr>
+        <p:spPr/>
+        <p:txBody>
+          <a:bodyPr/>
+          <a:lstStyle/>
+          <a:p>
+            <a:fld id="{E9CED1A8-8C93-4BD0-9402-1D92621696DA}" type="slidenum">
+              <a:rPr lang="ko-KR" altLang="en-US" smtClean="0"/>
+              <a:t>7</a:t>
+            </a:fld>
+            <a:endParaRPr lang="ko-KR" altLang="en-US"/>
+          </a:p>
+        </p:txBody>
+      </p:sp>
+    </p:spTree>
+    <p:extLst>
+      <p:ext uri="{BB962C8B-B14F-4D97-AF65-F5344CB8AC3E}">
+        <p14:creationId xmlns:p14="http://schemas.microsoft.com/office/powerpoint/2010/main" val="2412666931"/>
+      </p:ext>
+    </p:extLst>
+  </p:cSld>
+  <p:clrMapOvr>
+    <a:masterClrMapping/>
+  </p:clrMapOvr>
+</p:notes>
+</file>
+
+<file path=ppt/notesSlides/notesSlide5.xml><?xml version="1.0" encoding="utf-8"?>
+<p:notes xmlns:a="http://schemas.openxmlformats.org/drawingml/2006/main" xmlns:r="http://schemas.openxmlformats.org/officeDocument/2006/relationships" xmlns:p="http://schemas.openxmlformats.org/presentationml/2006/main">
+  <p:cSld>
+    <p:spTree>
+      <p:nvGrpSpPr>
+        <p:cNvPr id="1" name=""/>
+        <p:cNvGrpSpPr/>
+        <p:nvPr/>
+      </p:nvGrpSpPr>
+      <p:grpSpPr>
+        <a:xfrm>
+          <a:off x="0" y="0"/>
+          <a:ext cx="0" cy="0"/>
+          <a:chOff x="0" y="0"/>
+          <a:chExt cx="0" cy="0"/>
+        </a:xfrm>
+      </p:grpSpPr>
+      <p:sp>
+        <p:nvSpPr>
+          <p:cNvPr id="2" name="Slide Image Placeholder 1"/>
+          <p:cNvSpPr>
+            <a:spLocks noGrp="1" noRot="1" noChangeAspect="1"/>
+          </p:cNvSpPr>
+          <p:nvPr>
+            <p:ph type="sldImg"/>
+          </p:nvPr>
+        </p:nvSpPr>
+        <p:spPr/>
+      </p:sp>
+      <p:sp>
+        <p:nvSpPr>
+          <p:cNvPr id="3" name="Notes Placeholder 2"/>
+          <p:cNvSpPr>
+            <a:spLocks noGrp="1"/>
+          </p:cNvSpPr>
+          <p:nvPr>
+            <p:ph type="body" idx="1"/>
+          </p:nvPr>
+        </p:nvSpPr>
+        <p:spPr>
+          <a:xfrm>
+            <a:off x="679450" y="4778375"/>
+            <a:ext cx="5438775" cy="3908425"/>
+          </a:xfrm>
+          <a:prstGeom prst="rect">
+            <a:avLst/>
+          </a:prstGeom>
+        </p:spPr>
+        <p:txBody>
+          <a:bodyPr/>
+          <a:lstStyle/>
+          <a:p>
+            <a:pPr marL="171450" indent="-171450">
+              <a:buFont typeface="Arial" panose="020B0604020202020204" pitchFamily="34" charset="0"/>
+              <a:buChar char="•"/>
+            </a:pPr>
+            <a:r>
+              <a:rPr lang="en-US" dirty="0"/>
+              <a:t>View </a:t>
+            </a:r>
+            <a:r>
+              <a:rPr lang="en-US" dirty="0" err="1"/>
+              <a:t>syscall</a:t>
+            </a:r>
+            <a:r>
+              <a:rPr lang="en-US" dirty="0"/>
+              <a:t> list: man 2 </a:t>
+            </a:r>
+            <a:r>
+              <a:rPr lang="en-US" dirty="0" err="1"/>
+              <a:t>syscalls</a:t>
+            </a:r>
+            <a:endParaRPr lang="en-US" dirty="0"/>
+          </a:p>
+          <a:p>
+            <a:pPr marL="171450" indent="-171450">
+              <a:buFont typeface="Arial" panose="020B0604020202020204" pitchFamily="34" charset="0"/>
+              <a:buChar char="•"/>
+            </a:pPr>
+            <a:r>
+              <a:rPr lang="en-US" dirty="0"/>
+              <a:t>demo code using </a:t>
+            </a:r>
+            <a:r>
+              <a:rPr lang="en-US" dirty="0" err="1"/>
+              <a:t>strace</a:t>
+            </a:r>
+            <a:endParaRPr lang="en-US" dirty="0"/>
+          </a:p>
+          <a:p>
+            <a:pPr marL="171450" indent="-171450">
+              <a:buFont typeface="Arial" panose="020B0604020202020204" pitchFamily="34" charset="0"/>
+              <a:buChar char="•"/>
+            </a:pPr>
+            <a:r>
+              <a:rPr lang="en-US" dirty="0"/>
+              <a:t>Interfaces in CMSC 22</a:t>
+            </a:r>
+            <a:endParaRPr lang="en-PH" dirty="0"/>
+          </a:p>
+        </p:txBody>
+      </p:sp>
+      <p:sp>
+        <p:nvSpPr>
+          <p:cNvPr id="4" name="Slide Number Placeholder 3"/>
+          <p:cNvSpPr>
+            <a:spLocks noGrp="1"/>
+          </p:cNvSpPr>
+          <p:nvPr>
+            <p:ph type="sldNum" sz="quarter" idx="5"/>
+          </p:nvPr>
+        </p:nvSpPr>
+        <p:spPr/>
+        <p:txBody>
+          <a:bodyPr/>
+          <a:lstStyle/>
+          <a:p>
+            <a:fld id="{E9CED1A8-8C93-4BD0-9402-1D92621696DA}" type="slidenum">
+              <a:rPr lang="ko-KR" altLang="en-US" smtClean="0"/>
+              <a:t>8</a:t>
+            </a:fld>
+            <a:endParaRPr lang="ko-KR" altLang="en-US"/>
+          </a:p>
+        </p:txBody>
+      </p:sp>
+    </p:spTree>
+    <p:extLst>
+      <p:ext uri="{BB962C8B-B14F-4D97-AF65-F5344CB8AC3E}">
+        <p14:creationId xmlns:p14="http://schemas.microsoft.com/office/powerpoint/2010/main" val="2006614536"/>
+      </p:ext>
+    </p:extLst>
+  </p:cSld>
+  <p:clrMapOvr>
+    <a:masterClrMapping/>
+  </p:clrMapOvr>
+</p:notes>
+</file>
+
+<file path=ppt/notesSlides/notesSlide6.xml><?xml version="1.0" encoding="utf-8"?>
+<p:notes xmlns:a="http://schemas.openxmlformats.org/drawingml/2006/main" xmlns:r="http://schemas.openxmlformats.org/officeDocument/2006/relationships" xmlns:p="http://schemas.openxmlformats.org/presentationml/2006/main">
+  <p:cSld>
+    <p:spTree>
+      <p:nvGrpSpPr>
+        <p:cNvPr id="1" name=""/>
+        <p:cNvGrpSpPr/>
+        <p:nvPr/>
+      </p:nvGrpSpPr>
+      <p:grpSpPr>
+        <a:xfrm>
+          <a:off x="0" y="0"/>
+          <a:ext cx="0" cy="0"/>
+          <a:chOff x="0" y="0"/>
+          <a:chExt cx="0" cy="0"/>
+        </a:xfrm>
+      </p:grpSpPr>
+      <p:sp>
+        <p:nvSpPr>
+          <p:cNvPr id="2" name="Slide Image Placeholder 1"/>
+          <p:cNvSpPr>
+            <a:spLocks noGrp="1" noRot="1" noChangeAspect="1"/>
+          </p:cNvSpPr>
+          <p:nvPr>
+            <p:ph type="sldImg"/>
+          </p:nvPr>
+        </p:nvSpPr>
+        <p:spPr/>
+      </p:sp>
+      <p:sp>
+        <p:nvSpPr>
+          <p:cNvPr id="3" name="Notes Placeholder 2"/>
+          <p:cNvSpPr>
+            <a:spLocks noGrp="1"/>
+          </p:cNvSpPr>
+          <p:nvPr>
+            <p:ph type="body" idx="1"/>
+          </p:nvPr>
+        </p:nvSpPr>
+        <p:spPr>
+          <a:xfrm>
+            <a:off x="679450" y="4778375"/>
+            <a:ext cx="5438775" cy="3908425"/>
+          </a:xfrm>
+          <a:prstGeom prst="rect">
+            <a:avLst/>
+          </a:prstGeom>
+        </p:spPr>
+        <p:txBody>
+          <a:bodyPr/>
+          <a:lstStyle/>
+          <a:p>
+            <a:endParaRPr lang="en-PH" dirty="0"/>
+          </a:p>
+        </p:txBody>
+      </p:sp>
+      <p:sp>
+        <p:nvSpPr>
+          <p:cNvPr id="4" name="Slide Number Placeholder 3"/>
+          <p:cNvSpPr>
+            <a:spLocks noGrp="1"/>
+          </p:cNvSpPr>
+          <p:nvPr>
+            <p:ph type="sldNum" sz="quarter" idx="5"/>
+          </p:nvPr>
+        </p:nvSpPr>
+        <p:spPr/>
+        <p:txBody>
+          <a:bodyPr/>
+          <a:lstStyle/>
+          <a:p>
+            <a:fld id="{E9CED1A8-8C93-4BD0-9402-1D92621696DA}" type="slidenum">
+              <a:rPr lang="ko-KR" altLang="en-US" smtClean="0"/>
+              <a:t>9</a:t>
+            </a:fld>
+            <a:endParaRPr lang="ko-KR" altLang="en-US"/>
+          </a:p>
+        </p:txBody>
+      </p:sp>
+    </p:spTree>
+    <p:extLst>
+      <p:ext uri="{BB962C8B-B14F-4D97-AF65-F5344CB8AC3E}">
+        <p14:creationId xmlns:p14="http://schemas.microsoft.com/office/powerpoint/2010/main" val="2298252386"/>
+      </p:ext>
+    </p:extLst>
+  </p:cSld>
+  <p:clrMapOvr>
+    <a:masterClrMapping/>
+  </p:clrMapOvr>
+</p:notes>
+</file>
+
+<file path=ppt/notesSlides/notesSlide7.xml><?xml version="1.0" encoding="utf-8"?>
+<p:notes xmlns:a="http://schemas.openxmlformats.org/drawingml/2006/main" xmlns:r="http://schemas.openxmlformats.org/officeDocument/2006/relationships" xmlns:p="http://schemas.openxmlformats.org/presentationml/2006/main">
+  <p:cSld>
+    <p:spTree>
+      <p:nvGrpSpPr>
+        <p:cNvPr id="1" name=""/>
+        <p:cNvGrpSpPr/>
+        <p:nvPr/>
+      </p:nvGrpSpPr>
+      <p:grpSpPr>
+        <a:xfrm>
+          <a:off x="0" y="0"/>
+          <a:ext cx="0" cy="0"/>
+          <a:chOff x="0" y="0"/>
+          <a:chExt cx="0" cy="0"/>
+        </a:xfrm>
+      </p:grpSpPr>
+      <p:sp>
+        <p:nvSpPr>
+          <p:cNvPr id="2" name="Slide Image Placeholder 1"/>
+          <p:cNvSpPr>
+            <a:spLocks noGrp="1" noRot="1" noChangeAspect="1"/>
+          </p:cNvSpPr>
+          <p:nvPr>
+            <p:ph type="sldImg"/>
+          </p:nvPr>
+        </p:nvSpPr>
+        <p:spPr/>
+      </p:sp>
+      <p:sp>
+        <p:nvSpPr>
+          <p:cNvPr id="3" name="Notes Placeholder 2"/>
+          <p:cNvSpPr>
+            <a:spLocks noGrp="1"/>
+          </p:cNvSpPr>
+          <p:nvPr>
+            <p:ph type="body" idx="1"/>
+          </p:nvPr>
+        </p:nvSpPr>
+        <p:spPr>
+          <a:xfrm>
+            <a:off x="679450" y="4778375"/>
+            <a:ext cx="5438775" cy="3908425"/>
+          </a:xfrm>
+          <a:prstGeom prst="rect">
+            <a:avLst/>
+          </a:prstGeom>
+        </p:spPr>
+        <p:txBody>
+          <a:bodyPr/>
+          <a:lstStyle/>
+          <a:p>
+            <a:pPr marL="171450" indent="-171450">
+              <a:buFont typeface="Arial" panose="020B0604020202020204" pitchFamily="34" charset="0"/>
+              <a:buChar char="•"/>
+            </a:pPr>
+            <a:r>
+              <a:rPr lang="en-US" dirty="0"/>
+              <a:t>There should be a way to start and stop programs as you’ve observed</a:t>
+            </a:r>
+          </a:p>
+          <a:p>
+            <a:pPr marL="171450" indent="-171450">
+              <a:buFont typeface="Arial" panose="020B0604020202020204" pitchFamily="34" charset="0"/>
+              <a:buChar char="•"/>
+            </a:pPr>
+            <a:endParaRPr lang="en-PH" dirty="0"/>
+          </a:p>
+        </p:txBody>
+      </p:sp>
+      <p:sp>
+        <p:nvSpPr>
+          <p:cNvPr id="4" name="Slide Number Placeholder 3"/>
+          <p:cNvSpPr>
+            <a:spLocks noGrp="1"/>
+          </p:cNvSpPr>
+          <p:nvPr>
+            <p:ph type="sldNum" sz="quarter" idx="5"/>
+          </p:nvPr>
+        </p:nvSpPr>
+        <p:spPr/>
+        <p:txBody>
+          <a:bodyPr/>
+          <a:lstStyle/>
+          <a:p>
+            <a:fld id="{E9CED1A8-8C93-4BD0-9402-1D92621696DA}" type="slidenum">
+              <a:rPr lang="ko-KR" altLang="en-US" smtClean="0"/>
+              <a:t>14</a:t>
+            </a:fld>
+            <a:endParaRPr lang="ko-KR" altLang="en-US"/>
+          </a:p>
+        </p:txBody>
+      </p:sp>
+    </p:spTree>
+    <p:extLst>
+      <p:ext uri="{BB962C8B-B14F-4D97-AF65-F5344CB8AC3E}">
+        <p14:creationId xmlns:p14="http://schemas.microsoft.com/office/powerpoint/2010/main" val="3910980476"/>
+      </p:ext>
+    </p:extLst>
+  </p:cSld>
+  <p:clrMapOvr>
+    <a:masterClrMapping/>
+  </p:clrMapOvr>
+</p:notes>
+</file>
+
+<file path=ppt/notesSlides/notesSlide8.xml><?xml version="1.0" encoding="utf-8"?>
+<p:notes xmlns:a="http://schemas.openxmlformats.org/drawingml/2006/main" xmlns:r="http://schemas.openxmlformats.org/officeDocument/2006/relationships" xmlns:p="http://schemas.openxmlformats.org/presentationml/2006/main">
+  <p:cSld>
+    <p:spTree>
+      <p:nvGrpSpPr>
+        <p:cNvPr id="1" name=""/>
+        <p:cNvGrpSpPr/>
+        <p:nvPr/>
+      </p:nvGrpSpPr>
+      <p:grpSpPr>
+        <a:xfrm>
+          <a:off x="0" y="0"/>
+          <a:ext cx="0" cy="0"/>
+          <a:chOff x="0" y="0"/>
+          <a:chExt cx="0" cy="0"/>
+        </a:xfrm>
+      </p:grpSpPr>
+      <p:sp>
+        <p:nvSpPr>
+          <p:cNvPr id="2" name="Slide Image Placeholder 1"/>
+          <p:cNvSpPr>
+            <a:spLocks noGrp="1" noRot="1" noChangeAspect="1"/>
+          </p:cNvSpPr>
+          <p:nvPr>
+            <p:ph type="sldImg"/>
+          </p:nvPr>
+        </p:nvSpPr>
+        <p:spPr/>
+      </p:sp>
+      <p:sp>
+        <p:nvSpPr>
+          <p:cNvPr id="3" name="Notes Placeholder 2"/>
+          <p:cNvSpPr>
+            <a:spLocks noGrp="1"/>
+          </p:cNvSpPr>
+          <p:nvPr>
+            <p:ph type="body" idx="1"/>
+          </p:nvPr>
+        </p:nvSpPr>
+        <p:spPr>
+          <a:xfrm>
+            <a:off x="679450" y="4778375"/>
+            <a:ext cx="5438775" cy="3908425"/>
+          </a:xfrm>
+          <a:prstGeom prst="rect">
+            <a:avLst/>
+          </a:prstGeom>
+        </p:spPr>
+        <p:txBody>
+          <a:bodyPr/>
+          <a:lstStyle/>
+          <a:p>
+            <a:endParaRPr lang="en-PH" dirty="0"/>
+          </a:p>
+        </p:txBody>
+      </p:sp>
+      <p:sp>
+        <p:nvSpPr>
+          <p:cNvPr id="4" name="Slide Number Placeholder 3"/>
+          <p:cNvSpPr>
+            <a:spLocks noGrp="1"/>
+          </p:cNvSpPr>
+          <p:nvPr>
+            <p:ph type="sldNum" sz="quarter" idx="5"/>
+          </p:nvPr>
+        </p:nvSpPr>
+        <p:spPr/>
+        <p:txBody>
+          <a:bodyPr/>
+          <a:lstStyle/>
+          <a:p>
+            <a:fld id="{E9CED1A8-8C93-4BD0-9402-1D92621696DA}" type="slidenum">
+              <a:rPr lang="ko-KR" altLang="en-US" smtClean="0"/>
+              <a:t>15</a:t>
+            </a:fld>
+            <a:endParaRPr lang="ko-KR" altLang="en-US"/>
+          </a:p>
+        </p:txBody>
+      </p:sp>
+    </p:spTree>
+    <p:extLst>
+      <p:ext uri="{BB962C8B-B14F-4D97-AF65-F5344CB8AC3E}">
+        <p14:creationId xmlns:p14="http://schemas.microsoft.com/office/powerpoint/2010/main" val="3056752385"/>
+      </p:ext>
+    </p:extLst>
+  </p:cSld>
+  <p:clrMapOvr>
+    <a:masterClrMapping/>
+  </p:clrMapOvr>
+</p:notes>
+</file>
+
+<file path=ppt/notesSlides/notesSlide9.xml><?xml version="1.0" encoding="utf-8"?>
+<p:notes xmlns:a="http://schemas.openxmlformats.org/drawingml/2006/main" xmlns:r="http://schemas.openxmlformats.org/officeDocument/2006/relationships" xmlns:p="http://schemas.openxmlformats.org/presentationml/2006/main">
+  <p:cSld>
+    <p:spTree>
+      <p:nvGrpSpPr>
+        <p:cNvPr id="1" name=""/>
+        <p:cNvGrpSpPr/>
+        <p:nvPr/>
+      </p:nvGrpSpPr>
+      <p:grpSpPr>
+        <a:xfrm>
+          <a:off x="0" y="0"/>
+          <a:ext cx="0" cy="0"/>
+          <a:chOff x="0" y="0"/>
+          <a:chExt cx="0" cy="0"/>
+        </a:xfrm>
+      </p:grpSpPr>
+      <p:sp>
+        <p:nvSpPr>
+          <p:cNvPr id="2" name="Slide Image Placeholder 1"/>
+          <p:cNvSpPr>
+            <a:spLocks noGrp="1" noRot="1" noChangeAspect="1"/>
+          </p:cNvSpPr>
+          <p:nvPr>
+            <p:ph type="sldImg"/>
+          </p:nvPr>
+        </p:nvSpPr>
+        <p:spPr/>
+      </p:sp>
+      <p:sp>
+        <p:nvSpPr>
+          <p:cNvPr id="3" name="Notes Placeholder 2"/>
+          <p:cNvSpPr>
+            <a:spLocks noGrp="1"/>
+          </p:cNvSpPr>
+          <p:nvPr>
+            <p:ph type="body" idx="1"/>
+          </p:nvPr>
+        </p:nvSpPr>
+        <p:spPr>
+          <a:xfrm>
+            <a:off x="679450" y="4778375"/>
+            <a:ext cx="5438775" cy="3908425"/>
+          </a:xfrm>
+          <a:prstGeom prst="rect">
+            <a:avLst/>
+          </a:prstGeom>
+        </p:spPr>
+        <p:txBody>
+          <a:bodyPr/>
+          <a:lstStyle/>
+          <a:p>
+            <a:endParaRPr lang="en-PH" dirty="0"/>
+          </a:p>
+        </p:txBody>
+      </p:sp>
+      <p:sp>
+        <p:nvSpPr>
+          <p:cNvPr id="4" name="Slide Number Placeholder 3"/>
+          <p:cNvSpPr>
+            <a:spLocks noGrp="1"/>
+          </p:cNvSpPr>
+          <p:nvPr>
+            <p:ph type="sldNum" sz="quarter" idx="5"/>
+          </p:nvPr>
+        </p:nvSpPr>
+        <p:spPr/>
+        <p:txBody>
+          <a:bodyPr/>
+          <a:lstStyle/>
+          <a:p>
+            <a:fld id="{E9CED1A8-8C93-4BD0-9402-1D92621696DA}" type="slidenum">
+              <a:rPr lang="ko-KR" altLang="en-US" smtClean="0"/>
+              <a:t>19</a:t>
+            </a:fld>
+            <a:endParaRPr lang="ko-KR" altLang="en-US"/>
+          </a:p>
+        </p:txBody>
+      </p:sp>
+    </p:spTree>
+    <p:extLst>
+      <p:ext uri="{BB962C8B-B14F-4D97-AF65-F5344CB8AC3E}">
+        <p14:creationId xmlns:p14="http://schemas.microsoft.com/office/powerpoint/2010/main" val="370287467"/>
       </p:ext>
     </p:extLst>
   </p:cSld>
@@ -1640,7 +2443,7 @@
             </a:r>
             <a:r>
               <a:rPr lang="en-US" sz="2800" dirty="0">
-                <a:hlinkClick r:id="rId2"/>
+                <a:hlinkClick r:id="rId3"/>
               </a:rPr>
               <a:t>jchermocilla@up.edu.ph</a:t>
             </a:r>
@@ -1656,7 +2459,7 @@
             </a:r>
             <a:r>
               <a:rPr lang="en-US" sz="2800" dirty="0">
-                <a:hlinkClick r:id="rId3"/>
+                <a:hlinkClick r:id="rId4"/>
               </a:rPr>
               <a:t>https://jachermocilla.org</a:t>
             </a:r>
@@ -1682,7 +2485,7 @@
           <p:nvPr/>
         </p:nvPicPr>
         <p:blipFill>
-          <a:blip r:embed="rId4">
+          <a:blip r:embed="rId5">
             <a:extLst>
               <a:ext uri="{28A0092B-C50C-407E-A947-70E740481C1C}">
                 <a14:useLocalDpi xmlns:a14="http://schemas.microsoft.com/office/drawing/2010/main" val="0"/>
@@ -1718,7 +2521,7 @@
           <p:nvPr/>
         </p:nvPicPr>
         <p:blipFill rotWithShape="1">
-          <a:blip r:embed="rId5" cstate="print">
+          <a:blip r:embed="rId6" cstate="print">
             <a:extLst>
               <a:ext uri="{28A0092B-C50C-407E-A947-70E740481C1C}">
                 <a14:useLocalDpi xmlns:a14="http://schemas.microsoft.com/office/drawing/2010/main" val="0"/>
@@ -1753,7 +2556,7 @@
           <p:nvPr/>
         </p:nvPicPr>
         <p:blipFill>
-          <a:blip r:embed="rId6" cstate="print">
+          <a:blip r:embed="rId7" cstate="print">
             <a:extLst>
               <a:ext uri="{28A0092B-C50C-407E-A947-70E740481C1C}">
                 <a14:useLocalDpi xmlns:a14="http://schemas.microsoft.com/office/drawing/2010/main" val="0"/>
@@ -1789,7 +2592,7 @@
           <p:nvPr/>
         </p:nvPicPr>
         <p:blipFill>
-          <a:blip r:embed="rId7" cstate="print">
+          <a:blip r:embed="rId8" cstate="print">
             <a:extLst>
               <a:ext uri="{28A0092B-C50C-407E-A947-70E740481C1C}">
                 <a14:useLocalDpi xmlns:a14="http://schemas.microsoft.com/office/drawing/2010/main" val="0"/>
@@ -1845,6 +2648,68 @@
       </p:grpSpPr>
       <p:sp>
         <p:nvSpPr>
+          <p:cNvPr id="2" name="Text Placeholder 1">
+            <a:extLst>
+              <a:ext uri="{FF2B5EF4-FFF2-40B4-BE49-F238E27FC236}">
+                <a16:creationId xmlns:a16="http://schemas.microsoft.com/office/drawing/2014/main" id="{52A2DB9E-A03D-4B7A-A6E6-1EFD6803533D}"/>
+              </a:ext>
+            </a:extLst>
+          </p:cNvPr>
+          <p:cNvSpPr>
+            <a:spLocks noGrp="1"/>
+          </p:cNvSpPr>
+          <p:nvPr>
+            <p:ph type="body" idx="1"/>
+          </p:nvPr>
+        </p:nvSpPr>
+        <p:spPr/>
+        <p:txBody>
+          <a:bodyPr/>
+          <a:lstStyle/>
+          <a:p>
+            <a:r>
+              <a:rPr lang="en-US" dirty="0"/>
+              <a:t>Examples</a:t>
+            </a:r>
+            <a:endParaRPr lang="en-PH" dirty="0"/>
+          </a:p>
+        </p:txBody>
+      </p:sp>
+    </p:spTree>
+    <p:extLst>
+      <p:ext uri="{BB962C8B-B14F-4D97-AF65-F5344CB8AC3E}">
+        <p14:creationId xmlns:p14="http://schemas.microsoft.com/office/powerpoint/2010/main" val="1825436866"/>
+      </p:ext>
+    </p:extLst>
+  </p:cSld>
+  <p:clrMapOvr>
+    <a:masterClrMapping/>
+  </p:clrMapOvr>
+  <p:transition>
+    <p:zoom/>
+  </p:transition>
+</p:sld>
+</file>
+
+<file path=ppt/slides/slide11.xml><?xml version="1.0" encoding="utf-8"?>
+<p:sld xmlns:a="http://schemas.openxmlformats.org/drawingml/2006/main" xmlns:r="http://schemas.openxmlformats.org/officeDocument/2006/relationships" xmlns:p="http://schemas.openxmlformats.org/presentationml/2006/main">
+  <p:cSld>
+    <p:spTree>
+      <p:nvGrpSpPr>
+        <p:cNvPr id="1" name=""/>
+        <p:cNvGrpSpPr/>
+        <p:nvPr/>
+      </p:nvGrpSpPr>
+      <p:grpSpPr>
+        <a:xfrm>
+          <a:off x="0" y="0"/>
+          <a:ext cx="0" cy="0"/>
+          <a:chOff x="0" y="0"/>
+          <a:chExt cx="0" cy="0"/>
+        </a:xfrm>
+      </p:grpSpPr>
+      <p:sp>
+        <p:nvSpPr>
           <p:cNvPr id="2" name="제목 1"/>
           <p:cNvSpPr>
             <a:spLocks noGrp="1"/>
@@ -1883,7 +2748,13 @@
           <a:p>
             <a:r>
               <a:rPr lang="en-US" altLang="ko-KR" dirty="0"/>
-              <a:t>The system has a very large number of virtual CPUs.</a:t>
+              <a:t>A system can have a single processor (CPU)..</a:t>
+            </a:r>
+          </a:p>
+          <a:p>
+            <a:r>
+              <a:rPr lang="en-US" altLang="ko-KR" dirty="0"/>
+              <a:t>But can have a very large number of virtual CPUs.</a:t>
             </a:r>
           </a:p>
           <a:p>
@@ -1913,7 +2784,7 @@
             </a:r>
             <a:r>
               <a:rPr lang="en-US" altLang="ko-KR" dirty="0"/>
-              <a:t>                                                   </a:t>
+              <a:t>        </a:t>
             </a:r>
             <a:r>
               <a:rPr lang="en-US" altLang="ko-KR" dirty="0">
@@ -1958,7 +2829,7 @@
 </p:sld>
 </file>
 
-<file path=ppt/slides/slide11.xml><?xml version="1.0" encoding="utf-8"?>
+<file path=ppt/slides/slide12.xml><?xml version="1.0" encoding="utf-8"?>
 <p:sld xmlns:a="http://schemas.openxmlformats.org/drawingml/2006/main" xmlns:r="http://schemas.openxmlformats.org/officeDocument/2006/relationships" xmlns:p="http://schemas.openxmlformats.org/presentationml/2006/main">
   <p:cSld>
     <p:spTree>
@@ -3139,7 +4010,7 @@
 </p:sld>
 </file>
 
-<file path=ppt/slides/slide12.xml><?xml version="1.0" encoding="utf-8"?>
+<file path=ppt/slides/slide13.xml><?xml version="1.0" encoding="utf-8"?>
 <p:sld xmlns:a="http://schemas.openxmlformats.org/drawingml/2006/main" xmlns:r="http://schemas.openxmlformats.org/officeDocument/2006/relationships" xmlns:p="http://schemas.openxmlformats.org/presentationml/2006/main">
   <p:cSld>
     <p:spTree>
@@ -3589,7 +4460,7 @@
 </p:sld>
 </file>
 
-<file path=ppt/slides/slide13.xml><?xml version="1.0" encoding="utf-8"?>
+<file path=ppt/slides/slide14.xml><?xml version="1.0" encoding="utf-8"?>
 <p:sld xmlns:a="http://schemas.openxmlformats.org/drawingml/2006/main" xmlns:r="http://schemas.openxmlformats.org/officeDocument/2006/relationships" xmlns:p="http://schemas.openxmlformats.org/presentationml/2006/main">
   <p:cSld>
     <p:spTree>
@@ -4152,7 +5023,143 @@
 </p:sld>
 </file>
 
-<file path=ppt/slides/slide14.xml><?xml version="1.0" encoding="utf-8"?>
+<file path=ppt/slides/slide15.xml><?xml version="1.0" encoding="utf-8"?>
+<p:sld xmlns:a="http://schemas.openxmlformats.org/drawingml/2006/main" xmlns:r="http://schemas.openxmlformats.org/officeDocument/2006/relationships" xmlns:p="http://schemas.openxmlformats.org/presentationml/2006/main">
+  <p:cSld>
+    <p:spTree>
+      <p:nvGrpSpPr>
+        <p:cNvPr id="1" name=""/>
+        <p:cNvGrpSpPr/>
+        <p:nvPr/>
+      </p:nvGrpSpPr>
+      <p:grpSpPr>
+        <a:xfrm>
+          <a:off x="0" y="0"/>
+          <a:ext cx="0" cy="0"/>
+          <a:chOff x="0" y="0"/>
+          <a:chExt cx="0" cy="0"/>
+        </a:xfrm>
+      </p:grpSpPr>
+      <p:sp>
+        <p:nvSpPr>
+          <p:cNvPr id="3" name="Title 2">
+            <a:extLst>
+              <a:ext uri="{FF2B5EF4-FFF2-40B4-BE49-F238E27FC236}">
+                <a16:creationId xmlns:a16="http://schemas.microsoft.com/office/drawing/2014/main" id="{73BB3E9E-A636-4C7F-9BD5-82CD5E9D33D7}"/>
+              </a:ext>
+            </a:extLst>
+          </p:cNvPr>
+          <p:cNvSpPr>
+            <a:spLocks noGrp="1"/>
+          </p:cNvSpPr>
+          <p:nvPr>
+            <p:ph type="title"/>
+          </p:nvPr>
+        </p:nvSpPr>
+        <p:spPr/>
+        <p:txBody>
+          <a:bodyPr/>
+          <a:lstStyle/>
+          <a:p>
+            <a:r>
+              <a:rPr lang="en-US" dirty="0"/>
+              <a:t>Policies and Mechanisms</a:t>
+            </a:r>
+            <a:endParaRPr lang="en-PH" dirty="0"/>
+          </a:p>
+        </p:txBody>
+      </p:sp>
+      <p:sp>
+        <p:nvSpPr>
+          <p:cNvPr id="4" name="Content Placeholder 3">
+            <a:extLst>
+              <a:ext uri="{FF2B5EF4-FFF2-40B4-BE49-F238E27FC236}">
+                <a16:creationId xmlns:a16="http://schemas.microsoft.com/office/drawing/2014/main" id="{3E8423E0-6CE5-4B98-B6CE-CC82E4E27274}"/>
+              </a:ext>
+            </a:extLst>
+          </p:cNvPr>
+          <p:cNvSpPr>
+            <a:spLocks noGrp="1"/>
+          </p:cNvSpPr>
+          <p:nvPr>
+            <p:ph idx="1"/>
+          </p:nvPr>
+        </p:nvSpPr>
+        <p:spPr/>
+        <p:txBody>
+          <a:bodyPr/>
+          <a:lstStyle/>
+          <a:p>
+            <a:r>
+              <a:rPr lang="en-US" dirty="0"/>
+              <a:t>As a resource manager, an OS needs to implement mechanisms and enforce policies</a:t>
+            </a:r>
+          </a:p>
+          <a:p>
+            <a:r>
+              <a:rPr lang="en-US" b="1" dirty="0"/>
+              <a:t>Mechanism</a:t>
+            </a:r>
+          </a:p>
+          <a:p>
+            <a:pPr lvl="1"/>
+            <a:r>
+              <a:rPr lang="en-US" dirty="0"/>
+              <a:t>Example: How do we allow multiple programs to run at once given that we only have a single processor?</a:t>
+            </a:r>
+          </a:p>
+          <a:p>
+            <a:pPr lvl="2"/>
+            <a:r>
+              <a:rPr lang="en-US" dirty="0"/>
+              <a:t>timer</a:t>
+            </a:r>
+          </a:p>
+          <a:p>
+            <a:r>
+              <a:rPr lang="en-US" b="1" dirty="0"/>
+              <a:t>Policy</a:t>
+            </a:r>
+          </a:p>
+          <a:p>
+            <a:pPr lvl="1"/>
+            <a:r>
+              <a:rPr lang="en-US" dirty="0"/>
+              <a:t>Example: Which program should run first? Which should run next?</a:t>
+            </a:r>
+          </a:p>
+          <a:p>
+            <a:pPr lvl="2"/>
+            <a:r>
+              <a:rPr lang="en-US" dirty="0"/>
+              <a:t>round-robin, shortest job first</a:t>
+            </a:r>
+          </a:p>
+          <a:p>
+            <a:endParaRPr lang="en-US" dirty="0"/>
+          </a:p>
+          <a:p>
+            <a:endParaRPr lang="en-PH" dirty="0"/>
+          </a:p>
+        </p:txBody>
+      </p:sp>
+    </p:spTree>
+    <p:extLst>
+      <p:ext uri="{BB962C8B-B14F-4D97-AF65-F5344CB8AC3E}">
+        <p14:creationId xmlns:p14="http://schemas.microsoft.com/office/powerpoint/2010/main" val="651330100"/>
+      </p:ext>
+    </p:extLst>
+  </p:cSld>
+  <p:clrMapOvr>
+    <a:masterClrMapping/>
+  </p:clrMapOvr>
+  <p:transition>
+    <p:zoom/>
+  </p:transition>
+</p:sld>
+</file>
+
+<file path=ppt/slides/slide16.xml><?xml version="1.0" encoding="utf-8"?>
 <p:sld xmlns:a="http://schemas.openxmlformats.org/drawingml/2006/main" xmlns:r="http://schemas.openxmlformats.org/officeDocument/2006/relationships" xmlns:p="http://schemas.openxmlformats.org/presentationml/2006/main">
   <p:cSld>
     <p:spTree>
@@ -4209,7 +5216,15 @@
           <a:p>
             <a:r>
               <a:rPr lang="en-US" altLang="ko-KR" dirty="0"/>
-              <a:t>The physical memory is </a:t>
+              <a:t>The </a:t>
+            </a:r>
+            <a:r>
+              <a:rPr lang="en-US" altLang="ko-KR" b="1" dirty="0"/>
+              <a:t>physical memory</a:t>
+            </a:r>
+            <a:r>
+              <a:rPr lang="en-US" altLang="ko-KR" dirty="0"/>
+              <a:t> is </a:t>
             </a:r>
             <a:r>
               <a:rPr lang="en-US" altLang="ko-KR" i="1" u="sng" dirty="0"/>
@@ -4223,7 +5238,13 @@
           <a:p>
             <a:r>
               <a:rPr lang="en-US" altLang="ko-KR" dirty="0"/>
-              <a:t>A program keeps all of its data structures in memory.</a:t>
+              <a:t>Each location(slot) has an address</a:t>
+            </a:r>
+          </a:p>
+          <a:p>
+            <a:r>
+              <a:rPr lang="en-US" altLang="ko-KR" dirty="0"/>
+              <a:t>A program keeps all of its data structures in memory which is accessed through various instructions</a:t>
             </a:r>
           </a:p>
           <a:p>
@@ -4242,7 +5263,7 @@
             </a:r>
             <a:r>
               <a:rPr lang="en-US" altLang="ko-KR" dirty="0"/>
-              <a:t>(load):</a:t>
+              <a:t>(load instruction):</a:t>
             </a:r>
           </a:p>
           <a:p>
@@ -4276,7 +5297,7 @@
             </a:r>
             <a:r>
               <a:rPr lang="en-US" altLang="ko-KR" dirty="0"/>
-              <a:t>(store):</a:t>
+              <a:t>(store instruction):</a:t>
             </a:r>
           </a:p>
           <a:p>
@@ -4284,6 +5305,12 @@
             <a:r>
               <a:rPr lang="en-US" altLang="ko-KR" dirty="0"/>
               <a:t>Specify the data to be written to the given address</a:t>
+            </a:r>
+          </a:p>
+          <a:p>
+            <a:r>
+              <a:rPr lang="en-US" altLang="ko-KR" dirty="0"/>
+              <a:t>Important: Instruction/code that manipulate data structures are also in memory!</a:t>
             </a:r>
             <a:endParaRPr lang="ko-KR" altLang="en-US" dirty="0"/>
           </a:p>
@@ -4305,7 +5332,7 @@
 </p:sld>
 </file>
 
-<file path=ppt/slides/slide15.xml><?xml version="1.0" encoding="utf-8"?>
+<file path=ppt/slides/slide17.xml><?xml version="1.0" encoding="utf-8"?>
 <p:sld xmlns:a="http://schemas.openxmlformats.org/drawingml/2006/main" xmlns:r="http://schemas.openxmlformats.org/officeDocument/2006/relationships" xmlns:p="http://schemas.openxmlformats.org/presentationml/2006/main">
   <p:cSld>
     <p:spTree>
@@ -5405,7 +6432,7 @@
 </p:sld>
 </file>
 
-<file path=ppt/slides/slide16.xml><?xml version="1.0" encoding="utf-8"?>
+<file path=ppt/slides/slide18.xml><?xml version="1.0" encoding="utf-8"?>
 <p:sld xmlns:a="http://schemas.openxmlformats.org/drawingml/2006/main" xmlns:r="http://schemas.openxmlformats.org/officeDocument/2006/relationships" xmlns:p="http://schemas.openxmlformats.org/presentationml/2006/main">
   <p:cSld>
     <p:spTree>
@@ -5513,7 +6540,7 @@
                 <a:latin typeface="Courier New" pitchFamily="49" charset="0"/>
                 <a:cs typeface="Courier New" pitchFamily="49" charset="0"/>
               </a:rPr>
-              <a:t> 00200000</a:t>
+              <a:t> 0x200000</a:t>
             </a:r>
             <a:r>
               <a:rPr lang="en-US" altLang="ko-KR" dirty="0">
@@ -5532,6 +6559,50 @@
             </a:r>
           </a:p>
           <a:p>
+            <a:r>
+              <a:rPr lang="en-US" altLang="ko-KR" dirty="0">
+                <a:cs typeface="Courier New" pitchFamily="49" charset="0"/>
+              </a:rPr>
+              <a:t>Note: Disable Address Space Layout Randomization(ASLR) first before running. </a:t>
+            </a:r>
+          </a:p>
+          <a:p>
+            <a:pPr lvl="1"/>
+            <a:r>
+              <a:rPr lang="en-US" altLang="ko-KR" dirty="0">
+                <a:cs typeface="Courier New" pitchFamily="49" charset="0"/>
+              </a:rPr>
+              <a:t>In </a:t>
+            </a:r>
+            <a:r>
+              <a:rPr lang="en-US" altLang="ko-KR" dirty="0" err="1">
+                <a:cs typeface="Courier New" pitchFamily="49" charset="0"/>
+              </a:rPr>
+              <a:t>linux</a:t>
+            </a:r>
+            <a:r>
+              <a:rPr lang="en-US" altLang="ko-KR" dirty="0">
+                <a:cs typeface="Courier New" pitchFamily="49" charset="0"/>
+              </a:rPr>
+              <a:t>:</a:t>
+            </a:r>
+          </a:p>
+          <a:p>
+            <a:pPr lvl="2"/>
+            <a:r>
+              <a:rPr lang="en-US" altLang="ko-KR" sz="1400" dirty="0">
+                <a:latin typeface="Courier New" panose="02070309020205020404" pitchFamily="49" charset="0"/>
+                <a:cs typeface="Courier New" panose="02070309020205020404" pitchFamily="49" charset="0"/>
+              </a:rPr>
+              <a:t>#echo 0 &gt; /proc/sys/kernel/</a:t>
+            </a:r>
+            <a:r>
+              <a:rPr lang="en-US" altLang="ko-KR" sz="1400" dirty="0" err="1">
+                <a:latin typeface="Courier New" panose="02070309020205020404" pitchFamily="49" charset="0"/>
+                <a:cs typeface="Courier New" panose="02070309020205020404" pitchFamily="49" charset="0"/>
+              </a:rPr>
+              <a:t>randomize_va_space</a:t>
+            </a:r>
             <a:endParaRPr lang="en-US" altLang="ko-KR" dirty="0">
               <a:latin typeface="Courier New" pitchFamily="49" charset="0"/>
               <a:cs typeface="Courier New" pitchFamily="49" charset="0"/>
@@ -5704,39 +6775,20 @@
                 <a:ea typeface="맑은 고딕" pitchFamily="50" charset="-127"/>
                 <a:cs typeface="Courier New" pitchFamily="49" charset="0"/>
               </a:rPr>
-              <a:t>prompt&gt; ./</a:t>
-            </a:r>
-            <a:r>
-              <a:rPr lang="en-US" altLang="ko-KR" sz="1400" dirty="0" err="1">
-                <a:solidFill>
-                  <a:prstClr val="black"/>
-                </a:solidFill>
-                <a:latin typeface="Courier New" pitchFamily="49" charset="0"/>
-                <a:ea typeface="맑은 고딕" pitchFamily="50" charset="-127"/>
-                <a:cs typeface="Courier New" pitchFamily="49" charset="0"/>
-              </a:rPr>
-              <a:t>mem</a:t>
-            </a:r>
-            <a:endParaRPr lang="en-US" altLang="ko-KR" sz="1400" dirty="0">
-              <a:solidFill>
-                <a:prstClr val="black"/>
-              </a:solidFill>
-              <a:latin typeface="Courier New" pitchFamily="49" charset="0"/>
-              <a:ea typeface="맑은 고딕" pitchFamily="50" charset="-127"/>
-              <a:cs typeface="Courier New" pitchFamily="49" charset="0"/>
-            </a:endParaRPr>
-          </a:p>
-          <a:p>
-            <a:r>
-              <a:rPr lang="en-US" altLang="ko-KR" sz="1400" dirty="0">
-                <a:solidFill>
-                  <a:prstClr val="black"/>
-                </a:solidFill>
-                <a:latin typeface="Courier New" pitchFamily="49" charset="0"/>
-                <a:ea typeface="맑은 고딕" pitchFamily="50" charset="-127"/>
-                <a:cs typeface="Courier New" pitchFamily="49" charset="0"/>
-              </a:rPr>
-              <a:t>(2134) memory address of p: 00200000</a:t>
+              <a:t>prompt&gt; ./mem 0</a:t>
+            </a:r>
+          </a:p>
+          <a:p>
+            <a:r>
+              <a:rPr lang="en-US" altLang="ko-KR" sz="1400" dirty="0">
+                <a:solidFill>
+                  <a:prstClr val="black"/>
+                </a:solidFill>
+                <a:latin typeface="Courier New" pitchFamily="49" charset="0"/>
+                <a:ea typeface="맑은 고딕" pitchFamily="50" charset="-127"/>
+                <a:cs typeface="Courier New" pitchFamily="49" charset="0"/>
+              </a:rPr>
+              <a:t>(2134) memory address of p: 0x200000</a:t>
             </a:r>
           </a:p>
           <a:p>
@@ -5843,7 +6895,7 @@
 </p:sld>
 </file>
 
-<file path=ppt/slides/slide17.xml><?xml version="1.0" encoding="utf-8"?>
+<file path=ppt/slides/slide19.xml><?xml version="1.0" encoding="utf-8"?>
 <p:sld xmlns:a="http://schemas.openxmlformats.org/drawingml/2006/main" xmlns:r="http://schemas.openxmlformats.org/officeDocument/2006/relationships" xmlns:p="http://schemas.openxmlformats.org/presentationml/2006/main">
   <p:cSld>
     <p:spTree>
@@ -6014,7 +7066,7 @@
                 <a:latin typeface="Courier New" pitchFamily="49" charset="0"/>
                 <a:cs typeface="Courier New" pitchFamily="49" charset="0"/>
               </a:rPr>
-              <a:t> 00200000 </a:t>
+              <a:t> 0x200000 </a:t>
             </a:r>
             <a:r>
               <a:rPr lang="en-US" altLang="ko-KR" dirty="0">
@@ -6022,9 +7074,6 @@
               </a:rPr>
               <a:t>independently.</a:t>
             </a:r>
-            <a:endParaRPr lang="ko-KR" altLang="en-US" dirty="0">
-              <a:cs typeface="Courier New" pitchFamily="49" charset="0"/>
-            </a:endParaRPr>
           </a:p>
         </p:txBody>
       </p:sp>
@@ -6258,20 +7307,20 @@
                 <a:ea typeface="맑은 고딕" pitchFamily="50" charset="-127"/>
                 <a:cs typeface="Courier New" pitchFamily="49" charset="0"/>
               </a:rPr>
-              <a:t>(24113) memory address of p: 00200000</a:t>
-            </a:r>
-          </a:p>
-          <a:p>
-            <a:r>
-              <a:rPr lang="en-US" altLang="ko-KR" sz="1400" dirty="0">
-                <a:solidFill>
-                  <a:prstClr val="black"/>
-                </a:solidFill>
-                <a:latin typeface="Courier New" pitchFamily="49" charset="0"/>
-                <a:ea typeface="맑은 고딕" pitchFamily="50" charset="-127"/>
-                <a:cs typeface="Courier New" pitchFamily="49" charset="0"/>
-              </a:rPr>
-              <a:t>(24114) memory address of p: 00200000</a:t>
+              <a:t>(24113) memory address of p: 0x200000</a:t>
+            </a:r>
+          </a:p>
+          <a:p>
+            <a:r>
+              <a:rPr lang="en-US" altLang="ko-KR" sz="1400" dirty="0">
+                <a:solidFill>
+                  <a:prstClr val="black"/>
+                </a:solidFill>
+                <a:latin typeface="Courier New" pitchFamily="49" charset="0"/>
+                <a:ea typeface="맑은 고딕" pitchFamily="50" charset="-127"/>
+                <a:cs typeface="Courier New" pitchFamily="49" charset="0"/>
+              </a:rPr>
+              <a:t>(24114) memory address of p: 0x200000</a:t>
             </a:r>
           </a:p>
           <a:p>
@@ -6379,274 +7428,6 @@
     <p:extLst>
       <p:ext uri="{BB962C8B-B14F-4D97-AF65-F5344CB8AC3E}">
         <p14:creationId xmlns:p14="http://schemas.microsoft.com/office/powerpoint/2010/main" val="2219306793"/>
-      </p:ext>
-    </p:extLst>
-  </p:cSld>
-  <p:clrMapOvr>
-    <a:masterClrMapping/>
-  </p:clrMapOvr>
-  <p:transition>
-    <p:zoom/>
-  </p:transition>
-</p:sld>
-</file>
-
-<file path=ppt/slides/slide18.xml><?xml version="1.0" encoding="utf-8"?>
-<p:sld xmlns:a="http://schemas.openxmlformats.org/drawingml/2006/main" xmlns:r="http://schemas.openxmlformats.org/officeDocument/2006/relationships" xmlns:p="http://schemas.openxmlformats.org/presentationml/2006/main">
-  <p:cSld>
-    <p:spTree>
-      <p:nvGrpSpPr>
-        <p:cNvPr id="1" name=""/>
-        <p:cNvGrpSpPr/>
-        <p:nvPr/>
-      </p:nvGrpSpPr>
-      <p:grpSpPr>
-        <a:xfrm>
-          <a:off x="0" y="0"/>
-          <a:ext cx="0" cy="0"/>
-          <a:chOff x="0" y="0"/>
-          <a:chExt cx="0" cy="0"/>
-        </a:xfrm>
-      </p:grpSpPr>
-      <p:sp>
-        <p:nvSpPr>
-          <p:cNvPr id="2" name="제목 1"/>
-          <p:cNvSpPr>
-            <a:spLocks noGrp="1"/>
-          </p:cNvSpPr>
-          <p:nvPr>
-            <p:ph type="title"/>
-          </p:nvPr>
-        </p:nvSpPr>
-        <p:spPr/>
-        <p:txBody>
-          <a:bodyPr/>
-          <a:lstStyle/>
-          <a:p>
-            <a:r>
-              <a:rPr lang="en-US" altLang="ko-KR" dirty="0"/>
-              <a:t>Virtualizing Memory (Cont.)</a:t>
-            </a:r>
-            <a:endParaRPr lang="ko-KR" altLang="en-US" dirty="0"/>
-          </a:p>
-        </p:txBody>
-      </p:sp>
-      <p:sp>
-        <p:nvSpPr>
-          <p:cNvPr id="3" name="내용 개체 틀 2"/>
-          <p:cNvSpPr>
-            <a:spLocks noGrp="1"/>
-          </p:cNvSpPr>
-          <p:nvPr>
-            <p:ph idx="1"/>
-          </p:nvPr>
-        </p:nvSpPr>
-        <p:spPr/>
-        <p:txBody>
-          <a:bodyPr/>
-          <a:lstStyle/>
-          <a:p>
-            <a:r>
-              <a:rPr lang="en-US" altLang="ko-KR" dirty="0"/>
-              <a:t>Each process accesses its own private </a:t>
-            </a:r>
-            <a:r>
-              <a:rPr lang="en-US" altLang="ko-KR" b="1" dirty="0"/>
-              <a:t>virtual address space</a:t>
-            </a:r>
-            <a:r>
-              <a:rPr lang="en-US" altLang="ko-KR" dirty="0"/>
-              <a:t>.</a:t>
-            </a:r>
-          </a:p>
-          <a:p>
-            <a:pPr lvl="1"/>
-            <a:r>
-              <a:rPr lang="en-US" altLang="ko-KR" dirty="0"/>
-              <a:t>The OS maps </a:t>
-            </a:r>
-            <a:r>
-              <a:rPr lang="en-US" altLang="ko-KR" dirty="0">
-                <a:solidFill>
-                  <a:schemeClr val="accent6">
-                    <a:lumMod val="75000"/>
-                  </a:schemeClr>
-                </a:solidFill>
-              </a:rPr>
-              <a:t>address space </a:t>
-            </a:r>
-            <a:r>
-              <a:rPr lang="en-US" altLang="ko-KR" dirty="0"/>
-              <a:t>onto the </a:t>
-            </a:r>
-            <a:r>
-              <a:rPr lang="en-US" altLang="ko-KR" dirty="0">
-                <a:solidFill>
-                  <a:schemeClr val="accent6">
-                    <a:lumMod val="75000"/>
-                  </a:schemeClr>
-                </a:solidFill>
-              </a:rPr>
-              <a:t>physical memory</a:t>
-            </a:r>
-            <a:r>
-              <a:rPr lang="en-US" altLang="ko-KR" dirty="0"/>
-              <a:t>.</a:t>
-            </a:r>
-          </a:p>
-          <a:p>
-            <a:pPr lvl="1"/>
-            <a:r>
-              <a:rPr lang="en-US" altLang="ko-KR" dirty="0"/>
-              <a:t>A memory reference within one running program </a:t>
-            </a:r>
-            <a:r>
-              <a:rPr lang="en-US" altLang="ko-KR" u="sng" dirty="0"/>
-              <a:t>does not affect</a:t>
-            </a:r>
-            <a:r>
-              <a:rPr lang="en-US" altLang="ko-KR" dirty="0"/>
-              <a:t> the address space of other processes.</a:t>
-            </a:r>
-          </a:p>
-          <a:p>
-            <a:pPr lvl="1"/>
-            <a:r>
-              <a:rPr lang="en-US" altLang="ko-KR" dirty="0"/>
-              <a:t>Physical memory is a </a:t>
-            </a:r>
-            <a:r>
-              <a:rPr lang="en-US" altLang="ko-KR" u="sng" dirty="0"/>
-              <a:t>shared resource</a:t>
-            </a:r>
-            <a:r>
-              <a:rPr lang="en-US" altLang="ko-KR" dirty="0"/>
-              <a:t>, managed by the OS.</a:t>
-            </a:r>
-            <a:endParaRPr lang="ko-KR" altLang="en-US" dirty="0"/>
-          </a:p>
-        </p:txBody>
-      </p:sp>
-    </p:spTree>
-    <p:extLst>
-      <p:ext uri="{BB962C8B-B14F-4D97-AF65-F5344CB8AC3E}">
-        <p14:creationId xmlns:p14="http://schemas.microsoft.com/office/powerpoint/2010/main" val="3883917347"/>
-      </p:ext>
-    </p:extLst>
-  </p:cSld>
-  <p:clrMapOvr>
-    <a:masterClrMapping/>
-  </p:clrMapOvr>
-  <p:transition>
-    <p:zoom/>
-  </p:transition>
-</p:sld>
-</file>
-
-<file path=ppt/slides/slide19.xml><?xml version="1.0" encoding="utf-8"?>
-<p:sld xmlns:a="http://schemas.openxmlformats.org/drawingml/2006/main" xmlns:r="http://schemas.openxmlformats.org/officeDocument/2006/relationships" xmlns:p="http://schemas.openxmlformats.org/presentationml/2006/main">
-  <p:cSld>
-    <p:spTree>
-      <p:nvGrpSpPr>
-        <p:cNvPr id="1" name=""/>
-        <p:cNvGrpSpPr/>
-        <p:nvPr/>
-      </p:nvGrpSpPr>
-      <p:grpSpPr>
-        <a:xfrm>
-          <a:off x="0" y="0"/>
-          <a:ext cx="0" cy="0"/>
-          <a:chOff x="0" y="0"/>
-          <a:chExt cx="0" cy="0"/>
-        </a:xfrm>
-      </p:grpSpPr>
-      <p:sp>
-        <p:nvSpPr>
-          <p:cNvPr id="2" name="제목 1"/>
-          <p:cNvSpPr>
-            <a:spLocks noGrp="1"/>
-          </p:cNvSpPr>
-          <p:nvPr>
-            <p:ph type="title"/>
-          </p:nvPr>
-        </p:nvSpPr>
-        <p:spPr/>
-        <p:txBody>
-          <a:bodyPr/>
-          <a:lstStyle/>
-          <a:p>
-            <a:r>
-              <a:rPr lang="en-US" altLang="ko-KR" dirty="0"/>
-              <a:t>The problem of Concurrency</a:t>
-            </a:r>
-            <a:endParaRPr lang="ko-KR" altLang="en-US" dirty="0"/>
-          </a:p>
-        </p:txBody>
-      </p:sp>
-      <p:sp>
-        <p:nvSpPr>
-          <p:cNvPr id="3" name="내용 개체 틀 2"/>
-          <p:cNvSpPr>
-            <a:spLocks noGrp="1"/>
-          </p:cNvSpPr>
-          <p:nvPr>
-            <p:ph idx="1"/>
-          </p:nvPr>
-        </p:nvSpPr>
-        <p:spPr/>
-        <p:txBody>
-          <a:bodyPr/>
-          <a:lstStyle/>
-          <a:p>
-            <a:r>
-              <a:rPr lang="en-US" altLang="ko-KR" dirty="0"/>
-              <a:t>The OS is juggling </a:t>
-            </a:r>
-            <a:r>
-              <a:rPr lang="en-US" altLang="ko-KR" dirty="0">
-                <a:solidFill>
-                  <a:schemeClr val="accent6">
-                    <a:lumMod val="75000"/>
-                  </a:schemeClr>
-                </a:solidFill>
-              </a:rPr>
-              <a:t>many things at once</a:t>
-            </a:r>
-            <a:r>
-              <a:rPr lang="en-US" altLang="ko-KR" dirty="0"/>
-              <a:t>, first running one process, then another, and so forth.</a:t>
-            </a:r>
-          </a:p>
-          <a:p>
-            <a:endParaRPr lang="en-US" altLang="ko-KR" dirty="0"/>
-          </a:p>
-          <a:p>
-            <a:r>
-              <a:rPr lang="en-US" altLang="ko-KR" dirty="0"/>
-              <a:t>Modern </a:t>
-            </a:r>
-            <a:r>
-              <a:rPr lang="en-US" altLang="ko-KR" dirty="0">
-                <a:solidFill>
-                  <a:schemeClr val="accent6">
-                    <a:lumMod val="75000"/>
-                  </a:schemeClr>
-                </a:solidFill>
-              </a:rPr>
-              <a:t>multi-threaded programs</a:t>
-            </a:r>
-            <a:r>
-              <a:rPr lang="en-US" altLang="ko-KR" dirty="0"/>
-              <a:t> also exhibit the concurrency problem.</a:t>
-            </a:r>
-            <a:endParaRPr lang="ko-KR" altLang="en-US" dirty="0"/>
-          </a:p>
-        </p:txBody>
-      </p:sp>
-    </p:spTree>
-    <p:extLst>
-      <p:ext uri="{BB962C8B-B14F-4D97-AF65-F5344CB8AC3E}">
-        <p14:creationId xmlns:p14="http://schemas.microsoft.com/office/powerpoint/2010/main" val="395346906"/>
       </p:ext>
     </p:extLst>
   </p:cSld>
@@ -6868,6 +7649,295 @@
           <a:p>
             <a:r>
               <a:rPr lang="en-US" altLang="ko-KR" dirty="0"/>
+              <a:t>Virtualizing Memory (Cont.)</a:t>
+            </a:r>
+            <a:endParaRPr lang="ko-KR" altLang="en-US" dirty="0"/>
+          </a:p>
+        </p:txBody>
+      </p:sp>
+      <p:sp>
+        <p:nvSpPr>
+          <p:cNvPr id="3" name="내용 개체 틀 2"/>
+          <p:cNvSpPr>
+            <a:spLocks noGrp="1"/>
+          </p:cNvSpPr>
+          <p:nvPr>
+            <p:ph idx="1"/>
+          </p:nvPr>
+        </p:nvSpPr>
+        <p:spPr/>
+        <p:txBody>
+          <a:bodyPr/>
+          <a:lstStyle/>
+          <a:p>
+            <a:r>
+              <a:rPr lang="en-US" altLang="ko-KR" dirty="0"/>
+              <a:t>Each process accesses its own private </a:t>
+            </a:r>
+            <a:r>
+              <a:rPr lang="en-US" altLang="ko-KR" b="1" dirty="0"/>
+              <a:t>virtual address space</a:t>
+            </a:r>
+            <a:r>
+              <a:rPr lang="en-US" altLang="ko-KR" dirty="0"/>
+              <a:t>.</a:t>
+            </a:r>
+          </a:p>
+          <a:p>
+            <a:pPr lvl="1"/>
+            <a:r>
+              <a:rPr lang="en-US" altLang="ko-KR" dirty="0"/>
+              <a:t>The OS maps </a:t>
+            </a:r>
+            <a:r>
+              <a:rPr lang="en-US" altLang="ko-KR" dirty="0">
+                <a:solidFill>
+                  <a:schemeClr val="accent6">
+                    <a:lumMod val="75000"/>
+                  </a:schemeClr>
+                </a:solidFill>
+              </a:rPr>
+              <a:t>(virtual) address space </a:t>
+            </a:r>
+            <a:r>
+              <a:rPr lang="en-US" altLang="ko-KR" dirty="0"/>
+              <a:t>onto the </a:t>
+            </a:r>
+            <a:r>
+              <a:rPr lang="en-US" altLang="ko-KR" dirty="0">
+                <a:solidFill>
+                  <a:schemeClr val="accent6">
+                    <a:lumMod val="75000"/>
+                  </a:schemeClr>
+                </a:solidFill>
+              </a:rPr>
+              <a:t>physical memory</a:t>
+            </a:r>
+            <a:r>
+              <a:rPr lang="en-US" altLang="ko-KR" dirty="0"/>
+              <a:t>.</a:t>
+            </a:r>
+          </a:p>
+          <a:p>
+            <a:pPr lvl="1"/>
+            <a:r>
+              <a:rPr lang="en-US" altLang="ko-KR" dirty="0"/>
+              <a:t>A memory reference within one running program </a:t>
+            </a:r>
+            <a:r>
+              <a:rPr lang="en-US" altLang="ko-KR" u="sng" dirty="0"/>
+              <a:t>does not affect</a:t>
+            </a:r>
+            <a:r>
+              <a:rPr lang="en-US" altLang="ko-KR" dirty="0"/>
+              <a:t> the address space of other processes.</a:t>
+            </a:r>
+          </a:p>
+          <a:p>
+            <a:pPr lvl="1"/>
+            <a:r>
+              <a:rPr lang="en-US" altLang="ko-KR" dirty="0"/>
+              <a:t>As far as a running program is concerned, it has physical memory all to itself!</a:t>
+            </a:r>
+          </a:p>
+          <a:p>
+            <a:pPr lvl="1"/>
+            <a:r>
+              <a:rPr lang="en-US" altLang="ko-KR" dirty="0"/>
+              <a:t>Physical memory is a </a:t>
+            </a:r>
+            <a:r>
+              <a:rPr lang="en-US" altLang="ko-KR" u="sng" dirty="0"/>
+              <a:t>shared resource</a:t>
+            </a:r>
+            <a:r>
+              <a:rPr lang="en-US" altLang="ko-KR" dirty="0"/>
+              <a:t>, managed by the OS.</a:t>
+            </a:r>
+            <a:endParaRPr lang="ko-KR" altLang="en-US" dirty="0"/>
+          </a:p>
+        </p:txBody>
+      </p:sp>
+    </p:spTree>
+    <p:extLst>
+      <p:ext uri="{BB962C8B-B14F-4D97-AF65-F5344CB8AC3E}">
+        <p14:creationId xmlns:p14="http://schemas.microsoft.com/office/powerpoint/2010/main" val="3883917347"/>
+      </p:ext>
+    </p:extLst>
+  </p:cSld>
+  <p:clrMapOvr>
+    <a:masterClrMapping/>
+  </p:clrMapOvr>
+  <p:transition>
+    <p:zoom/>
+  </p:transition>
+</p:sld>
+</file>
+
+<file path=ppt/slides/slide21.xml><?xml version="1.0" encoding="utf-8"?>
+<p:sld xmlns:a="http://schemas.openxmlformats.org/drawingml/2006/main" xmlns:r="http://schemas.openxmlformats.org/officeDocument/2006/relationships" xmlns:p="http://schemas.openxmlformats.org/presentationml/2006/main">
+  <p:cSld>
+    <p:spTree>
+      <p:nvGrpSpPr>
+        <p:cNvPr id="1" name=""/>
+        <p:cNvGrpSpPr/>
+        <p:nvPr/>
+      </p:nvGrpSpPr>
+      <p:grpSpPr>
+        <a:xfrm>
+          <a:off x="0" y="0"/>
+          <a:ext cx="0" cy="0"/>
+          <a:chOff x="0" y="0"/>
+          <a:chExt cx="0" cy="0"/>
+        </a:xfrm>
+      </p:grpSpPr>
+      <p:sp>
+        <p:nvSpPr>
+          <p:cNvPr id="2" name="제목 1"/>
+          <p:cNvSpPr>
+            <a:spLocks noGrp="1"/>
+          </p:cNvSpPr>
+          <p:nvPr>
+            <p:ph type="title"/>
+          </p:nvPr>
+        </p:nvSpPr>
+        <p:spPr/>
+        <p:txBody>
+          <a:bodyPr/>
+          <a:lstStyle/>
+          <a:p>
+            <a:r>
+              <a:rPr lang="en-US" altLang="ko-KR" dirty="0"/>
+              <a:t>Problems brought about by Concurrency</a:t>
+            </a:r>
+            <a:endParaRPr lang="ko-KR" altLang="en-US" dirty="0"/>
+          </a:p>
+        </p:txBody>
+      </p:sp>
+      <p:sp>
+        <p:nvSpPr>
+          <p:cNvPr id="3" name="내용 개체 틀 2"/>
+          <p:cNvSpPr>
+            <a:spLocks noGrp="1"/>
+          </p:cNvSpPr>
+          <p:nvPr>
+            <p:ph idx="1"/>
+          </p:nvPr>
+        </p:nvSpPr>
+        <p:spPr/>
+        <p:txBody>
+          <a:bodyPr/>
+          <a:lstStyle/>
+          <a:p>
+            <a:r>
+              <a:rPr lang="en-US" altLang="ko-KR" dirty="0"/>
+              <a:t>The OS is juggling </a:t>
+            </a:r>
+            <a:r>
+              <a:rPr lang="en-US" altLang="ko-KR" dirty="0">
+                <a:solidFill>
+                  <a:schemeClr val="accent6">
+                    <a:lumMod val="75000"/>
+                  </a:schemeClr>
+                </a:solidFill>
+              </a:rPr>
+              <a:t>many things at once</a:t>
+            </a:r>
+            <a:r>
+              <a:rPr lang="en-US" altLang="ko-KR" dirty="0"/>
+              <a:t>, first running one process, then another, and so forth.</a:t>
+            </a:r>
+          </a:p>
+          <a:p>
+            <a:pPr lvl="1"/>
+            <a:r>
+              <a:rPr lang="en-US" altLang="ko-KR" dirty="0"/>
+              <a:t>Will this lead to data inconsistencies and incorrect operation? It surely will!</a:t>
+            </a:r>
+          </a:p>
+          <a:p>
+            <a:endParaRPr lang="en-US" altLang="ko-KR" dirty="0"/>
+          </a:p>
+          <a:p>
+            <a:r>
+              <a:rPr lang="en-US" altLang="ko-KR" dirty="0"/>
+              <a:t>Also, modern </a:t>
+            </a:r>
+            <a:r>
+              <a:rPr lang="en-US" altLang="ko-KR" dirty="0">
+                <a:solidFill>
+                  <a:schemeClr val="accent6">
+                    <a:lumMod val="75000"/>
+                  </a:schemeClr>
+                </a:solidFill>
+              </a:rPr>
+              <a:t>multi-threaded programs</a:t>
+            </a:r>
+            <a:r>
+              <a:rPr lang="en-US" altLang="ko-KR" dirty="0"/>
+              <a:t> also exhibit the concurrency problem.</a:t>
+            </a:r>
+          </a:p>
+          <a:p>
+            <a:pPr lvl="1"/>
+            <a:r>
+              <a:rPr lang="en-US" altLang="ko-KR" dirty="0"/>
+              <a:t>Such as client-server applications, banking and finance applications, games</a:t>
+            </a:r>
+            <a:endParaRPr lang="ko-KR" altLang="en-US" dirty="0"/>
+          </a:p>
+        </p:txBody>
+      </p:sp>
+    </p:spTree>
+    <p:extLst>
+      <p:ext uri="{BB962C8B-B14F-4D97-AF65-F5344CB8AC3E}">
+        <p14:creationId xmlns:p14="http://schemas.microsoft.com/office/powerpoint/2010/main" val="395346906"/>
+      </p:ext>
+    </p:extLst>
+  </p:cSld>
+  <p:clrMapOvr>
+    <a:masterClrMapping/>
+  </p:clrMapOvr>
+  <p:transition>
+    <p:zoom/>
+  </p:transition>
+</p:sld>
+</file>
+
+<file path=ppt/slides/slide22.xml><?xml version="1.0" encoding="utf-8"?>
+<p:sld xmlns:a="http://schemas.openxmlformats.org/drawingml/2006/main" xmlns:r="http://schemas.openxmlformats.org/officeDocument/2006/relationships" xmlns:p="http://schemas.openxmlformats.org/presentationml/2006/main">
+  <p:cSld>
+    <p:spTree>
+      <p:nvGrpSpPr>
+        <p:cNvPr id="1" name=""/>
+        <p:cNvGrpSpPr/>
+        <p:nvPr/>
+      </p:nvGrpSpPr>
+      <p:grpSpPr>
+        <a:xfrm>
+          <a:off x="0" y="0"/>
+          <a:ext cx="0" cy="0"/>
+          <a:chOff x="0" y="0"/>
+          <a:chExt cx="0" cy="0"/>
+        </a:xfrm>
+      </p:grpSpPr>
+      <p:sp>
+        <p:nvSpPr>
+          <p:cNvPr id="2" name="제목 1"/>
+          <p:cNvSpPr>
+            <a:spLocks noGrp="1"/>
+          </p:cNvSpPr>
+          <p:nvPr>
+            <p:ph type="title"/>
+          </p:nvPr>
+        </p:nvSpPr>
+        <p:spPr/>
+        <p:txBody>
+          <a:bodyPr/>
+          <a:lstStyle/>
+          <a:p>
+            <a:r>
+              <a:rPr lang="en-US" altLang="ko-KR" dirty="0"/>
               <a:t>Concurrency Example</a:t>
             </a:r>
             <a:endParaRPr lang="ko-KR" altLang="en-US" dirty="0"/>
@@ -8025,7 +9095,7 @@
 </p:sld>
 </file>
 
-<file path=ppt/slides/slide21.xml><?xml version="1.0" encoding="utf-8"?>
+<file path=ppt/slides/slide23.xml><?xml version="1.0" encoding="utf-8"?>
 <p:sld xmlns:a="http://schemas.openxmlformats.org/drawingml/2006/main" xmlns:r="http://schemas.openxmlformats.org/officeDocument/2006/relationships" xmlns:p="http://schemas.openxmlformats.org/presentationml/2006/main">
   <p:cSld>
     <p:spTree>
@@ -8866,7 +9936,7 @@
 </p:sld>
 </file>
 
-<file path=ppt/slides/slide22.xml><?xml version="1.0" encoding="utf-8"?>
+<file path=ppt/slides/slide24.xml><?xml version="1.0" encoding="utf-8"?>
 <p:sld xmlns:a="http://schemas.openxmlformats.org/drawingml/2006/main" xmlns:r="http://schemas.openxmlformats.org/officeDocument/2006/relationships" xmlns:p="http://schemas.openxmlformats.org/presentationml/2006/main">
   <p:cSld>
     <p:spTree>
@@ -8948,7 +10018,7 @@
             </a:r>
             <a:r>
               <a:rPr lang="en-US" altLang="ko-KR" dirty="0"/>
-              <a:t>: a function running within the same memory space. Each thread start running in a routine called </a:t>
+              <a:t>: a function running within the same memory/address space. Each thread start running in a routine called </a:t>
             </a:r>
             <a:r>
               <a:rPr lang="en-US" altLang="ko-KR" dirty="0">
@@ -10039,7 +11109,7 @@
 </p:sld>
 </file>
 
-<file path=ppt/slides/slide23.xml><?xml version="1.0" encoding="utf-8"?>
+<file path=ppt/slides/slide25.xml><?xml version="1.0" encoding="utf-8"?>
 <p:sld xmlns:a="http://schemas.openxmlformats.org/drawingml/2006/main" xmlns:r="http://schemas.openxmlformats.org/officeDocument/2006/relationships" xmlns:p="http://schemas.openxmlformats.org/presentationml/2006/main">
   <p:cSld>
     <p:spTree>
@@ -10697,7 +11767,7 @@
 </p:sld>
 </file>
 
-<file path=ppt/slides/slide24.xml><?xml version="1.0" encoding="utf-8"?>
+<file path=ppt/slides/slide26.xml><?xml version="1.0" encoding="utf-8"?>
 <p:sld xmlns:a="http://schemas.openxmlformats.org/drawingml/2006/main" xmlns:r="http://schemas.openxmlformats.org/officeDocument/2006/relationships" xmlns:p="http://schemas.openxmlformats.org/presentationml/2006/main">
   <p:cSld>
     <p:spTree>
@@ -10754,13 +11824,24 @@
           <a:p>
             <a:r>
               <a:rPr lang="en-US" altLang="ko-KR" dirty="0"/>
-              <a:t>Increment a shared counter </a:t>
+              <a:t>Increment a shared counter (</a:t>
+            </a:r>
+            <a:r>
+              <a:rPr lang="en-US" altLang="ko-KR" dirty="0">
+                <a:latin typeface="Courier New" panose="02070309020205020404" pitchFamily="49" charset="0"/>
+                <a:cs typeface="Courier New" panose="02070309020205020404" pitchFamily="49" charset="0"/>
+              </a:rPr>
+              <a:t>counter++</a:t>
+            </a:r>
+            <a:r>
+              <a:rPr lang="en-US" altLang="ko-KR" dirty="0"/>
+              <a:t>) </a:t>
             </a:r>
             <a:r>
               <a:rPr lang="en-US" altLang="ko-KR" dirty="0">
                 <a:sym typeface="Wingdings" pitchFamily="2" charset="2"/>
               </a:rPr>
-              <a:t> take three instructions.</a:t>
+              <a:t> takes three instructions.</a:t>
             </a:r>
           </a:p>
           <a:p>
@@ -10800,11 +11881,6 @@
             </a:r>
           </a:p>
           <a:p>
-            <a:endParaRPr lang="en-US" altLang="ko-KR" dirty="0">
-              <a:sym typeface="Wingdings" pitchFamily="2" charset="2"/>
-            </a:endParaRPr>
-          </a:p>
-          <a:p>
             <a:r>
               <a:rPr lang="en-US" altLang="ko-KR" dirty="0">
                 <a:sym typeface="Wingdings" pitchFamily="2" charset="2"/>
@@ -10826,7 +11902,7 @@
               <a:rPr lang="en-US" altLang="ko-KR" dirty="0">
                 <a:sym typeface="Wingdings" pitchFamily="2" charset="2"/>
               </a:rPr>
-              <a:t>.  Problem of </a:t>
+              <a:t>(all at once)  </a:t>
             </a:r>
             <a:r>
               <a:rPr lang="en-US" altLang="ko-KR" b="1" dirty="0">
@@ -10838,12 +11914,93 @@
               <a:rPr lang="en-US" altLang="ko-KR" dirty="0">
                 <a:sym typeface="Wingdings" pitchFamily="2" charset="2"/>
               </a:rPr>
-              <a:t>happen.</a:t>
+              <a:t>problem occurs.</a:t>
+            </a:r>
+          </a:p>
+          <a:p>
+            <a:r>
+              <a:rPr lang="en-US" altLang="ko-KR" dirty="0">
+                <a:sym typeface="Wingdings" pitchFamily="2" charset="2"/>
+              </a:rPr>
+              <a:t>Important: The threads here are in the same program’s address space, thus sharing access to the same data (</a:t>
+            </a:r>
+            <a:r>
+              <a:rPr lang="en-US" altLang="ko-KR" dirty="0">
+                <a:latin typeface="Courier New" panose="02070309020205020404" pitchFamily="49" charset="0"/>
+                <a:cs typeface="Courier New" panose="02070309020205020404" pitchFamily="49" charset="0"/>
+                <a:sym typeface="Wingdings" pitchFamily="2" charset="2"/>
+              </a:rPr>
+              <a:t>counter</a:t>
+            </a:r>
+            <a:r>
+              <a:rPr lang="en-US" altLang="ko-KR" dirty="0">
+                <a:sym typeface="Wingdings" pitchFamily="2" charset="2"/>
+              </a:rPr>
+              <a:t>). This is different from the previous discussion on virtualizing memory.</a:t>
             </a:r>
             <a:endParaRPr lang="ko-KR" altLang="en-US" dirty="0"/>
           </a:p>
         </p:txBody>
       </p:sp>
+      <p:pic>
+        <p:nvPicPr>
+          <p:cNvPr id="11" name="Picture 10">
+            <a:extLst>
+              <a:ext uri="{FF2B5EF4-FFF2-40B4-BE49-F238E27FC236}">
+                <a16:creationId xmlns:a16="http://schemas.microsoft.com/office/drawing/2014/main" id="{B0B4A0F7-EF20-41E4-8089-1B6E4152A171}"/>
+              </a:ext>
+            </a:extLst>
+          </p:cNvPr>
+          <p:cNvPicPr>
+            <a:picLocks noChangeAspect="1"/>
+          </p:cNvPicPr>
+          <p:nvPr/>
+        </p:nvPicPr>
+        <p:blipFill>
+          <a:blip r:embed="rId2"/>
+          <a:stretch>
+            <a:fillRect/>
+          </a:stretch>
+        </p:blipFill>
+        <p:spPr>
+          <a:xfrm>
+            <a:off x="5476875" y="4653136"/>
+            <a:ext cx="6324600" cy="304800"/>
+          </a:xfrm>
+          <a:prstGeom prst="rect">
+            <a:avLst/>
+          </a:prstGeom>
+        </p:spPr>
+      </p:pic>
+      <p:pic>
+        <p:nvPicPr>
+          <p:cNvPr id="13" name="Picture 12" descr="Text&#10;&#10;Description automatically generated">
+            <a:extLst>
+              <a:ext uri="{FF2B5EF4-FFF2-40B4-BE49-F238E27FC236}">
+                <a16:creationId xmlns:a16="http://schemas.microsoft.com/office/drawing/2014/main" id="{F53626CA-15C4-4291-919F-FE13735C26AA}"/>
+              </a:ext>
+            </a:extLst>
+          </p:cNvPr>
+          <p:cNvPicPr>
+            <a:picLocks noChangeAspect="1"/>
+          </p:cNvPicPr>
+          <p:nvPr/>
+        </p:nvPicPr>
+        <p:blipFill rotWithShape="1">
+          <a:blip r:embed="rId3"/>
+          <a:srcRect t="4320" b="26561"/>
+          <a:stretch/>
+        </p:blipFill>
+        <p:spPr>
+          <a:xfrm>
+            <a:off x="6143625" y="1484784"/>
+            <a:ext cx="5657850" cy="1152129"/>
+          </a:xfrm>
+          <a:prstGeom prst="rect">
+            <a:avLst/>
+          </a:prstGeom>
+        </p:spPr>
+      </p:pic>
     </p:spTree>
     <p:extLst>
       <p:ext uri="{BB962C8B-B14F-4D97-AF65-F5344CB8AC3E}">
@@ -10860,7 +12017,7 @@
 </p:sld>
 </file>
 
-<file path=ppt/slides/slide25.xml><?xml version="1.0" encoding="utf-8"?>
+<file path=ppt/slides/slide27.xml><?xml version="1.0" encoding="utf-8"?>
 <p:sld xmlns:a="http://schemas.openxmlformats.org/drawingml/2006/main" xmlns:r="http://schemas.openxmlformats.org/officeDocument/2006/relationships" xmlns:p="http://schemas.openxmlformats.org/presentationml/2006/main">
   <p:cSld>
     <p:spTree>
@@ -10921,11 +12078,11 @@
             </a:r>
             <a:r>
               <a:rPr lang="en-US" altLang="ko-KR" u="sng" dirty="0"/>
-              <a:t>volatile</a:t>
-            </a:r>
-            <a:r>
-              <a:rPr lang="en-US" altLang="ko-KR" dirty="0"/>
-              <a:t>.</a:t>
+              <a:t>volatile </a:t>
+            </a:r>
+            <a:r>
+              <a:rPr lang="en-US" altLang="ko-KR" dirty="0"/>
+              <a:t>manner – lost when power is removed </a:t>
             </a:r>
           </a:p>
           <a:p>
@@ -10943,7 +12100,7 @@
             </a:r>
             <a:r>
               <a:rPr lang="en-US" altLang="ko-KR" dirty="0"/>
-              <a:t> are needed to store data </a:t>
+              <a:t> are both needed to store data </a:t>
             </a:r>
             <a:r>
               <a:rPr lang="en-US" altLang="ko-KR" dirty="0">
@@ -10968,7 +12125,7 @@
             </a:r>
             <a:r>
               <a:rPr lang="en-US" altLang="ko-KR" dirty="0"/>
-              <a:t>: I/O device such as a hard drive, solid-state drives(SSDs)</a:t>
+              <a:t>: I/O device such as a hard drive(HDD), solid-state drives(SSDs)</a:t>
             </a:r>
           </a:p>
           <a:p>
@@ -10985,8 +12142,12 @@
           <a:p>
             <a:pPr lvl="2"/>
             <a:r>
-              <a:rPr lang="en-US" altLang="ko-KR" dirty="0"/>
-              <a:t>File system manages the disk.</a:t>
+              <a:rPr lang="en-US" altLang="ko-KR" u="sng" dirty="0"/>
+              <a:t>File system</a:t>
+            </a:r>
+            <a:r>
+              <a:rPr lang="en-US" altLang="ko-KR" dirty="0"/>
+              <a:t> manages the disk.</a:t>
             </a:r>
           </a:p>
           <a:p>
@@ -11002,6 +12163,26 @@
             <a:r>
               <a:rPr lang="en-US" altLang="ko-KR" dirty="0"/>
               <a:t> the user creates.</a:t>
+            </a:r>
+          </a:p>
+          <a:p>
+            <a:r>
+              <a:rPr lang="en-US" altLang="ko-KR" dirty="0"/>
+              <a:t>The OS does not create a private, virtualized disk for each program/application</a:t>
+            </a:r>
+          </a:p>
+          <a:p>
+            <a:pPr lvl="1"/>
+            <a:r>
+              <a:rPr lang="en-US" altLang="ko-KR" dirty="0"/>
+              <a:t>Assumes that files will be shared across programs or users</a:t>
+            </a:r>
+          </a:p>
+          <a:p>
+            <a:pPr lvl="1"/>
+            <a:r>
+              <a:rPr lang="en-US" altLang="ko-KR" dirty="0"/>
+              <a:t>Example: Your C source code is used by the text editor and the compiler</a:t>
             </a:r>
           </a:p>
           <a:p>
@@ -11025,7 +12206,7 @@
 </p:sld>
 </file>
 
-<file path=ppt/slides/slide26.xml><?xml version="1.0" encoding="utf-8"?>
+<file path=ppt/slides/slide28.xml><?xml version="1.0" encoding="utf-8"?>
 <p:sld xmlns:a="http://schemas.openxmlformats.org/drawingml/2006/main" xmlns:r="http://schemas.openxmlformats.org/officeDocument/2006/relationships" xmlns:p="http://schemas.openxmlformats.org/presentationml/2006/main">
   <p:cSld>
     <p:spTree>
@@ -12158,308 +13339,6 @@
 </p:sld>
 </file>
 
-<file path=ppt/slides/slide27.xml><?xml version="1.0" encoding="utf-8"?>
-<p:sld xmlns:a="http://schemas.openxmlformats.org/drawingml/2006/main" xmlns:r="http://schemas.openxmlformats.org/officeDocument/2006/relationships" xmlns:p="http://schemas.openxmlformats.org/presentationml/2006/main">
-  <p:cSld>
-    <p:spTree>
-      <p:nvGrpSpPr>
-        <p:cNvPr id="1" name=""/>
-        <p:cNvGrpSpPr/>
-        <p:nvPr/>
-      </p:nvGrpSpPr>
-      <p:grpSpPr>
-        <a:xfrm>
-          <a:off x="0" y="0"/>
-          <a:ext cx="0" cy="0"/>
-          <a:chOff x="0" y="0"/>
-          <a:chExt cx="0" cy="0"/>
-        </a:xfrm>
-      </p:grpSpPr>
-      <p:sp>
-        <p:nvSpPr>
-          <p:cNvPr id="2" name="제목 1"/>
-          <p:cNvSpPr>
-            <a:spLocks noGrp="1"/>
-          </p:cNvSpPr>
-          <p:nvPr>
-            <p:ph type="title"/>
-          </p:nvPr>
-        </p:nvSpPr>
-        <p:spPr/>
-        <p:txBody>
-          <a:bodyPr/>
-          <a:lstStyle/>
-          <a:p>
-            <a:r>
-              <a:rPr lang="en-US" altLang="ko-KR" dirty="0"/>
-              <a:t>Persistence (Cont.)</a:t>
-            </a:r>
-            <a:endParaRPr lang="ko-KR" altLang="en-US" dirty="0"/>
-          </a:p>
-        </p:txBody>
-      </p:sp>
-      <p:sp>
-        <p:nvSpPr>
-          <p:cNvPr id="3" name="내용 개체 틀 2"/>
-          <p:cNvSpPr>
-            <a:spLocks noGrp="1"/>
-          </p:cNvSpPr>
-          <p:nvPr>
-            <p:ph idx="1"/>
-          </p:nvPr>
-        </p:nvSpPr>
-        <p:spPr/>
-        <p:txBody>
-          <a:bodyPr/>
-          <a:lstStyle/>
-          <a:p>
-            <a:r>
-              <a:rPr lang="en-US" altLang="ko-KR" dirty="0"/>
-              <a:t>What OS does in order to write to disk?</a:t>
-            </a:r>
-          </a:p>
-          <a:p>
-            <a:pPr lvl="1"/>
-            <a:r>
-              <a:rPr lang="en-US" altLang="ko-KR" dirty="0"/>
-              <a:t>Figure out </a:t>
-            </a:r>
-            <a:r>
-              <a:rPr lang="en-US" altLang="ko-KR" b="1" dirty="0"/>
-              <a:t>where </a:t>
-            </a:r>
-            <a:r>
-              <a:rPr lang="en-US" altLang="ko-KR" dirty="0"/>
-              <a:t>on disk this new data will reside</a:t>
-            </a:r>
-          </a:p>
-          <a:p>
-            <a:pPr lvl="1"/>
-            <a:r>
-              <a:rPr lang="en-US" altLang="ko-KR" b="1" dirty="0"/>
-              <a:t>Issue I/O </a:t>
-            </a:r>
-            <a:r>
-              <a:rPr lang="en-US" altLang="ko-KR" dirty="0"/>
-              <a:t>requests to the underlying storage device</a:t>
-            </a:r>
-          </a:p>
-          <a:p>
-            <a:pPr lvl="1"/>
-            <a:endParaRPr lang="en-US" altLang="ko-KR" dirty="0"/>
-          </a:p>
-          <a:p>
-            <a:r>
-              <a:rPr lang="en-US" altLang="ko-KR" dirty="0"/>
-              <a:t>File system handles system crashes during write.</a:t>
-            </a:r>
-          </a:p>
-          <a:p>
-            <a:pPr lvl="1"/>
-            <a:r>
-              <a:rPr lang="en-US" altLang="ko-KR" b="1" dirty="0"/>
-              <a:t>Journaling</a:t>
-            </a:r>
-            <a:r>
-              <a:rPr lang="en-US" altLang="ko-KR" dirty="0"/>
-              <a:t> or </a:t>
-            </a:r>
-            <a:r>
-              <a:rPr lang="en-US" altLang="ko-KR" b="1" dirty="0"/>
-              <a:t>copy-on-write</a:t>
-            </a:r>
-          </a:p>
-          <a:p>
-            <a:pPr lvl="1"/>
-            <a:r>
-              <a:rPr lang="en-US" altLang="ko-KR" dirty="0"/>
-              <a:t>Carefully </a:t>
-            </a:r>
-            <a:r>
-              <a:rPr lang="en-US" altLang="ko-KR" u="sng" dirty="0"/>
-              <a:t>ordering</a:t>
-            </a:r>
-            <a:r>
-              <a:rPr lang="en-US" altLang="ko-KR" dirty="0"/>
-              <a:t> writes to disk</a:t>
-            </a:r>
-          </a:p>
-        </p:txBody>
-      </p:sp>
-    </p:spTree>
-    <p:extLst>
-      <p:ext uri="{BB962C8B-B14F-4D97-AF65-F5344CB8AC3E}">
-        <p14:creationId xmlns:p14="http://schemas.microsoft.com/office/powerpoint/2010/main" val="1434766802"/>
-      </p:ext>
-    </p:extLst>
-  </p:cSld>
-  <p:clrMapOvr>
-    <a:masterClrMapping/>
-  </p:clrMapOvr>
-  <p:transition>
-    <p:zoom/>
-  </p:transition>
-</p:sld>
-</file>
-
-<file path=ppt/slides/slide28.xml><?xml version="1.0" encoding="utf-8"?>
-<p:sld xmlns:a="http://schemas.openxmlformats.org/drawingml/2006/main" xmlns:r="http://schemas.openxmlformats.org/officeDocument/2006/relationships" xmlns:p="http://schemas.openxmlformats.org/presentationml/2006/main">
-  <p:cSld>
-    <p:spTree>
-      <p:nvGrpSpPr>
-        <p:cNvPr id="1" name=""/>
-        <p:cNvGrpSpPr/>
-        <p:nvPr/>
-      </p:nvGrpSpPr>
-      <p:grpSpPr>
-        <a:xfrm>
-          <a:off x="0" y="0"/>
-          <a:ext cx="0" cy="0"/>
-          <a:chOff x="0" y="0"/>
-          <a:chExt cx="0" cy="0"/>
-        </a:xfrm>
-      </p:grpSpPr>
-      <p:sp>
-        <p:nvSpPr>
-          <p:cNvPr id="2" name="제목 1"/>
-          <p:cNvSpPr>
-            <a:spLocks noGrp="1"/>
-          </p:cNvSpPr>
-          <p:nvPr>
-            <p:ph type="title"/>
-          </p:nvPr>
-        </p:nvSpPr>
-        <p:spPr/>
-        <p:txBody>
-          <a:bodyPr/>
-          <a:lstStyle/>
-          <a:p>
-            <a:r>
-              <a:rPr lang="en-US" altLang="ko-KR" dirty="0"/>
-              <a:t>Design Goals</a:t>
-            </a:r>
-            <a:endParaRPr lang="ko-KR" altLang="en-US" dirty="0"/>
-          </a:p>
-        </p:txBody>
-      </p:sp>
-      <p:sp>
-        <p:nvSpPr>
-          <p:cNvPr id="3" name="내용 개체 틀 2"/>
-          <p:cNvSpPr>
-            <a:spLocks noGrp="1"/>
-          </p:cNvSpPr>
-          <p:nvPr>
-            <p:ph idx="1"/>
-          </p:nvPr>
-        </p:nvSpPr>
-        <p:spPr/>
-        <p:txBody>
-          <a:bodyPr/>
-          <a:lstStyle/>
-          <a:p>
-            <a:r>
-              <a:rPr lang="en-US" altLang="ko-KR" dirty="0"/>
-              <a:t>Build up </a:t>
-            </a:r>
-            <a:r>
-              <a:rPr lang="en-US" altLang="ko-KR" b="1" dirty="0"/>
-              <a:t>abstraction</a:t>
-            </a:r>
-          </a:p>
-          <a:p>
-            <a:pPr lvl="1"/>
-            <a:r>
-              <a:rPr lang="en-US" altLang="ko-KR" dirty="0"/>
-              <a:t>Make the system convenient and easy to use.</a:t>
-            </a:r>
-          </a:p>
-          <a:p>
-            <a:pPr lvl="1"/>
-            <a:endParaRPr lang="en-US" altLang="ko-KR" dirty="0"/>
-          </a:p>
-          <a:p>
-            <a:r>
-              <a:rPr lang="en-US" altLang="ko-KR" dirty="0"/>
-              <a:t>Provide high </a:t>
-            </a:r>
-            <a:r>
-              <a:rPr lang="en-US" altLang="ko-KR" b="1" dirty="0"/>
-              <a:t>performance</a:t>
-            </a:r>
-          </a:p>
-          <a:p>
-            <a:pPr lvl="1"/>
-            <a:r>
-              <a:rPr lang="en-US" altLang="ko-KR" dirty="0"/>
-              <a:t>Minimize the overhead of the OS.</a:t>
-            </a:r>
-          </a:p>
-          <a:p>
-            <a:pPr lvl="1"/>
-            <a:r>
-              <a:rPr lang="en-US" altLang="ko-KR" dirty="0"/>
-              <a:t>OS must strive to provide virtualization </a:t>
-            </a:r>
-            <a:r>
-              <a:rPr lang="en-US" altLang="ko-KR" u="sng" dirty="0"/>
-              <a:t>without excessive overhead</a:t>
-            </a:r>
-            <a:r>
-              <a:rPr lang="en-US" altLang="ko-KR" dirty="0"/>
-              <a:t>.</a:t>
-            </a:r>
-          </a:p>
-          <a:p>
-            <a:pPr lvl="1"/>
-            <a:endParaRPr lang="en-US" altLang="ko-KR" dirty="0"/>
-          </a:p>
-          <a:p>
-            <a:r>
-              <a:rPr lang="en-US" altLang="ko-KR" b="1" dirty="0"/>
-              <a:t>Protection </a:t>
-            </a:r>
-            <a:r>
-              <a:rPr lang="en-US" altLang="ko-KR" dirty="0"/>
-              <a:t>between applications</a:t>
-            </a:r>
-          </a:p>
-          <a:p>
-            <a:pPr lvl="1"/>
-            <a:r>
-              <a:rPr lang="en-US" altLang="ko-KR" u="sng" dirty="0"/>
-              <a:t>Isolation</a:t>
-            </a:r>
-            <a:r>
-              <a:rPr lang="en-US" altLang="ko-KR" dirty="0"/>
-              <a:t>: Bad behavior of one does not harm other and the OS itself.</a:t>
-            </a:r>
-          </a:p>
-          <a:p>
-            <a:pPr lvl="1"/>
-            <a:endParaRPr lang="en-US" altLang="ko-KR" dirty="0"/>
-          </a:p>
-          <a:p>
-            <a:pPr lvl="1"/>
-            <a:endParaRPr lang="ko-KR" altLang="en-US" dirty="0"/>
-          </a:p>
-        </p:txBody>
-      </p:sp>
-    </p:spTree>
-    <p:extLst>
-      <p:ext uri="{BB962C8B-B14F-4D97-AF65-F5344CB8AC3E}">
-        <p14:creationId xmlns:p14="http://schemas.microsoft.com/office/powerpoint/2010/main" val="1287483503"/>
-      </p:ext>
-    </p:extLst>
-  </p:cSld>
-  <p:clrMapOvr>
-    <a:masterClrMapping/>
-  </p:clrMapOvr>
-  <p:transition>
-    <p:zoom/>
-  </p:transition>
-</p:sld>
-</file>
-
 <file path=ppt/slides/slide29.xml><?xml version="1.0" encoding="utf-8"?>
 <p:sld xmlns:a="http://schemas.openxmlformats.org/drawingml/2006/main" xmlns:r="http://schemas.openxmlformats.org/officeDocument/2006/relationships" xmlns:p="http://schemas.openxmlformats.org/presentationml/2006/main">
   <p:cSld>
@@ -12494,7 +13373,7 @@
           <a:p>
             <a:r>
               <a:rPr lang="en-US" altLang="ko-KR" dirty="0"/>
-              <a:t>Design Goals (Cont.)</a:t>
+              <a:t>Persistence (Cont.)</a:t>
             </a:r>
             <a:endParaRPr lang="ko-KR" altLang="en-US" dirty="0"/>
           </a:p>
@@ -12517,61 +13396,105 @@
           <a:p>
             <a:r>
               <a:rPr lang="en-US" altLang="ko-KR" dirty="0"/>
-              <a:t>High degree of </a:t>
+              <a:t>What OS does in order to write to disk?</a:t>
+            </a:r>
+          </a:p>
+          <a:p>
+            <a:pPr lvl="1"/>
+            <a:r>
+              <a:rPr lang="en-US" altLang="ko-KR" dirty="0"/>
+              <a:t>Figure out </a:t>
             </a:r>
             <a:r>
               <a:rPr lang="en-US" altLang="ko-KR" b="1" dirty="0"/>
-              <a:t>reliability</a:t>
+              <a:t>where </a:t>
+            </a:r>
+            <a:r>
+              <a:rPr lang="en-US" altLang="ko-KR" dirty="0"/>
+              <a:t>on disk this new data will reside</a:t>
             </a:r>
           </a:p>
           <a:p>
             <a:pPr lvl="1"/>
             <a:r>
-              <a:rPr lang="en-US" altLang="ko-KR" dirty="0"/>
-              <a:t>The OS must also run non-stop.</a:t>
+              <a:rPr lang="en-US" altLang="ko-KR" b="1" dirty="0"/>
+              <a:t>Issue I/O </a:t>
+            </a:r>
+            <a:r>
+              <a:rPr lang="en-US" altLang="ko-KR" dirty="0"/>
+              <a:t>requests to the underlying storage device (via a </a:t>
+            </a:r>
+            <a:r>
+              <a:rPr lang="en-US" altLang="ko-KR" u="sng" dirty="0"/>
+              <a:t>device driver</a:t>
+            </a:r>
+            <a:r>
+              <a:rPr lang="en-US" altLang="ko-KR" dirty="0"/>
+              <a:t>)</a:t>
+            </a:r>
+          </a:p>
+          <a:p>
+            <a:r>
+              <a:rPr lang="en-US" altLang="ko-KR" dirty="0"/>
+              <a:t>File system handles system crashes during write</a:t>
             </a:r>
           </a:p>
           <a:p>
             <a:pPr lvl="1"/>
-            <a:endParaRPr lang="en-US" altLang="ko-KR" dirty="0"/>
-          </a:p>
-          <a:p>
-            <a:r>
-              <a:rPr lang="en-US" altLang="ko-KR" dirty="0"/>
-              <a:t>Other issues</a:t>
+            <a:r>
+              <a:rPr lang="en-US" altLang="ko-KR" b="1" dirty="0"/>
+              <a:t>Journaling</a:t>
+            </a:r>
+            <a:r>
+              <a:rPr lang="en-US" altLang="ko-KR" dirty="0"/>
+              <a:t> or </a:t>
+            </a:r>
+            <a:r>
+              <a:rPr lang="en-US" altLang="ko-KR" b="1" dirty="0"/>
+              <a:t>copy-on-write</a:t>
             </a:r>
           </a:p>
           <a:p>
             <a:pPr lvl="1"/>
             <a:r>
               <a:rPr lang="en-US" altLang="ko-KR" dirty="0"/>
-              <a:t>Energy-efficiency</a:t>
+              <a:t>Carefully </a:t>
+            </a:r>
+            <a:r>
+              <a:rPr lang="en-US" altLang="ko-KR" u="sng" dirty="0"/>
+              <a:t>ordering</a:t>
+            </a:r>
+            <a:r>
+              <a:rPr lang="en-US" altLang="ko-KR" dirty="0"/>
+              <a:t> writes to disk to get back to a usable state after failed writes – during brownouts!</a:t>
+            </a:r>
+          </a:p>
+          <a:p>
+            <a:r>
+              <a:rPr lang="en-US" altLang="ko-KR" dirty="0"/>
+              <a:t>Efficiency is also important</a:t>
             </a:r>
           </a:p>
           <a:p>
             <a:pPr lvl="1"/>
             <a:r>
               <a:rPr lang="en-US" altLang="ko-KR" dirty="0"/>
-              <a:t>Security</a:t>
+              <a:t>I/O is slower than main memory access</a:t>
             </a:r>
           </a:p>
           <a:p>
             <a:pPr lvl="1"/>
             <a:r>
               <a:rPr lang="en-US" altLang="ko-KR" dirty="0"/>
-              <a:t>Mobility</a:t>
-            </a:r>
-          </a:p>
-          <a:p>
-            <a:pPr lvl="1"/>
-            <a:endParaRPr lang="ko-KR" altLang="en-US" dirty="0"/>
+              <a:t>Employs different data structures (lists, B-trees)</a:t>
+            </a:r>
           </a:p>
         </p:txBody>
       </p:sp>
     </p:spTree>
     <p:extLst>
       <p:ext uri="{BB962C8B-B14F-4D97-AF65-F5344CB8AC3E}">
-        <p14:creationId xmlns:p14="http://schemas.microsoft.com/office/powerpoint/2010/main" val="1028690875"/>
+        <p14:creationId xmlns:p14="http://schemas.microsoft.com/office/powerpoint/2010/main" val="1434766802"/>
       </p:ext>
     </p:extLst>
   </p:cSld>
@@ -12672,6 +13595,973 @@
     <p:extLst>
       <p:ext uri="{BB962C8B-B14F-4D97-AF65-F5344CB8AC3E}">
         <p14:creationId xmlns:p14="http://schemas.microsoft.com/office/powerpoint/2010/main" val="1281944042"/>
+      </p:ext>
+    </p:extLst>
+  </p:cSld>
+  <p:clrMapOvr>
+    <a:masterClrMapping/>
+  </p:clrMapOvr>
+  <p:transition>
+    <p:zoom/>
+  </p:transition>
+</p:sld>
+</file>
+
+<file path=ppt/slides/slide30.xml><?xml version="1.0" encoding="utf-8"?>
+<p:sld xmlns:a="http://schemas.openxmlformats.org/drawingml/2006/main" xmlns:r="http://schemas.openxmlformats.org/officeDocument/2006/relationships" xmlns:p="http://schemas.openxmlformats.org/presentationml/2006/main">
+  <p:cSld>
+    <p:spTree>
+      <p:nvGrpSpPr>
+        <p:cNvPr id="1" name=""/>
+        <p:cNvGrpSpPr/>
+        <p:nvPr/>
+      </p:nvGrpSpPr>
+      <p:grpSpPr>
+        <a:xfrm>
+          <a:off x="0" y="0"/>
+          <a:ext cx="0" cy="0"/>
+          <a:chOff x="0" y="0"/>
+          <a:chExt cx="0" cy="0"/>
+        </a:xfrm>
+      </p:grpSpPr>
+      <p:sp>
+        <p:nvSpPr>
+          <p:cNvPr id="2" name="제목 1"/>
+          <p:cNvSpPr>
+            <a:spLocks noGrp="1"/>
+          </p:cNvSpPr>
+          <p:nvPr>
+            <p:ph type="title"/>
+          </p:nvPr>
+        </p:nvSpPr>
+        <p:spPr/>
+        <p:txBody>
+          <a:bodyPr/>
+          <a:lstStyle/>
+          <a:p>
+            <a:r>
+              <a:rPr lang="en-US" altLang="ko-KR" dirty="0"/>
+              <a:t>Design Goals</a:t>
+            </a:r>
+            <a:endParaRPr lang="ko-KR" altLang="en-US" dirty="0"/>
+          </a:p>
+        </p:txBody>
+      </p:sp>
+      <p:sp>
+        <p:nvSpPr>
+          <p:cNvPr id="3" name="내용 개체 틀 2"/>
+          <p:cNvSpPr>
+            <a:spLocks noGrp="1"/>
+          </p:cNvSpPr>
+          <p:nvPr>
+            <p:ph idx="1"/>
+          </p:nvPr>
+        </p:nvSpPr>
+        <p:spPr/>
+        <p:txBody>
+          <a:bodyPr/>
+          <a:lstStyle/>
+          <a:p>
+            <a:r>
+              <a:rPr lang="en-US" altLang="ko-KR" dirty="0"/>
+              <a:t>Build up some </a:t>
+            </a:r>
+            <a:r>
+              <a:rPr lang="en-US" altLang="ko-KR" b="1" dirty="0"/>
+              <a:t>abstractions</a:t>
+            </a:r>
+          </a:p>
+          <a:p>
+            <a:pPr lvl="1"/>
+            <a:r>
+              <a:rPr lang="en-US" altLang="ko-KR" dirty="0"/>
+              <a:t>To make the system convenient and easy to use.</a:t>
+            </a:r>
+          </a:p>
+          <a:p>
+            <a:pPr lvl="1"/>
+            <a:endParaRPr lang="en-US" altLang="ko-KR" dirty="0"/>
+          </a:p>
+          <a:p>
+            <a:r>
+              <a:rPr lang="en-US" altLang="ko-KR" dirty="0"/>
+              <a:t>Provide </a:t>
+            </a:r>
+            <a:r>
+              <a:rPr lang="en-US" altLang="ko-KR" b="1" dirty="0"/>
+              <a:t>high</a:t>
+            </a:r>
+            <a:r>
+              <a:rPr lang="en-US" altLang="ko-KR" dirty="0"/>
+              <a:t> </a:t>
+            </a:r>
+            <a:r>
+              <a:rPr lang="en-US" altLang="ko-KR" b="1" dirty="0"/>
+              <a:t>performance</a:t>
+            </a:r>
+          </a:p>
+          <a:p>
+            <a:pPr lvl="1"/>
+            <a:r>
+              <a:rPr lang="en-US" altLang="ko-KR" dirty="0"/>
+              <a:t>Minimize the overhead of the OS.</a:t>
+            </a:r>
+          </a:p>
+          <a:p>
+            <a:pPr lvl="1"/>
+            <a:r>
+              <a:rPr lang="en-US" altLang="ko-KR" dirty="0"/>
+              <a:t>OS must strive to provide virtualization </a:t>
+            </a:r>
+            <a:r>
+              <a:rPr lang="en-US" altLang="ko-KR" u="sng" dirty="0"/>
+              <a:t>without excessive overhead</a:t>
+            </a:r>
+            <a:r>
+              <a:rPr lang="en-US" altLang="ko-KR" dirty="0"/>
+              <a:t>.</a:t>
+            </a:r>
+          </a:p>
+          <a:p>
+            <a:pPr lvl="2"/>
+            <a:r>
+              <a:rPr lang="en-US" altLang="ko-KR" dirty="0"/>
+              <a:t>Overhead sources: Extra time and extra space</a:t>
+            </a:r>
+          </a:p>
+          <a:p>
+            <a:pPr lvl="1"/>
+            <a:endParaRPr lang="en-US" altLang="ko-KR" dirty="0"/>
+          </a:p>
+          <a:p>
+            <a:r>
+              <a:rPr lang="en-US" altLang="ko-KR" b="1" dirty="0"/>
+              <a:t>Protection </a:t>
+            </a:r>
+            <a:r>
+              <a:rPr lang="en-US" altLang="ko-KR" dirty="0"/>
+              <a:t>between applications and OS</a:t>
+            </a:r>
+          </a:p>
+          <a:p>
+            <a:pPr lvl="1"/>
+            <a:r>
+              <a:rPr lang="en-US" altLang="ko-KR" u="sng" dirty="0"/>
+              <a:t>Isolation</a:t>
+            </a:r>
+            <a:r>
+              <a:rPr lang="en-US" altLang="ko-KR" dirty="0"/>
+              <a:t>: Bad behavior of one does not harm other and the OS itself.</a:t>
+            </a:r>
+          </a:p>
+          <a:p>
+            <a:pPr lvl="1"/>
+            <a:endParaRPr lang="en-US" altLang="ko-KR" dirty="0"/>
+          </a:p>
+          <a:p>
+            <a:pPr lvl="1"/>
+            <a:endParaRPr lang="ko-KR" altLang="en-US" dirty="0"/>
+          </a:p>
+        </p:txBody>
+      </p:sp>
+    </p:spTree>
+    <p:extLst>
+      <p:ext uri="{BB962C8B-B14F-4D97-AF65-F5344CB8AC3E}">
+        <p14:creationId xmlns:p14="http://schemas.microsoft.com/office/powerpoint/2010/main" val="1287483503"/>
+      </p:ext>
+    </p:extLst>
+  </p:cSld>
+  <p:clrMapOvr>
+    <a:masterClrMapping/>
+  </p:clrMapOvr>
+  <p:transition>
+    <p:zoom/>
+  </p:transition>
+</p:sld>
+</file>
+
+<file path=ppt/slides/slide31.xml><?xml version="1.0" encoding="utf-8"?>
+<p:sld xmlns:a="http://schemas.openxmlformats.org/drawingml/2006/main" xmlns:r="http://schemas.openxmlformats.org/officeDocument/2006/relationships" xmlns:p="http://schemas.openxmlformats.org/presentationml/2006/main">
+  <p:cSld>
+    <p:spTree>
+      <p:nvGrpSpPr>
+        <p:cNvPr id="1" name=""/>
+        <p:cNvGrpSpPr/>
+        <p:nvPr/>
+      </p:nvGrpSpPr>
+      <p:grpSpPr>
+        <a:xfrm>
+          <a:off x="0" y="0"/>
+          <a:ext cx="0" cy="0"/>
+          <a:chOff x="0" y="0"/>
+          <a:chExt cx="0" cy="0"/>
+        </a:xfrm>
+      </p:grpSpPr>
+      <p:sp>
+        <p:nvSpPr>
+          <p:cNvPr id="2" name="제목 1"/>
+          <p:cNvSpPr>
+            <a:spLocks noGrp="1"/>
+          </p:cNvSpPr>
+          <p:nvPr>
+            <p:ph type="title"/>
+          </p:nvPr>
+        </p:nvSpPr>
+        <p:spPr/>
+        <p:txBody>
+          <a:bodyPr/>
+          <a:lstStyle/>
+          <a:p>
+            <a:r>
+              <a:rPr lang="en-US" altLang="ko-KR" dirty="0"/>
+              <a:t>Design Goals (Cont.)</a:t>
+            </a:r>
+            <a:endParaRPr lang="ko-KR" altLang="en-US" dirty="0"/>
+          </a:p>
+        </p:txBody>
+      </p:sp>
+      <p:sp>
+        <p:nvSpPr>
+          <p:cNvPr id="3" name="내용 개체 틀 2"/>
+          <p:cNvSpPr>
+            <a:spLocks noGrp="1"/>
+          </p:cNvSpPr>
+          <p:nvPr>
+            <p:ph idx="1"/>
+          </p:nvPr>
+        </p:nvSpPr>
+        <p:spPr/>
+        <p:txBody>
+          <a:bodyPr/>
+          <a:lstStyle/>
+          <a:p>
+            <a:r>
+              <a:rPr lang="en-US" altLang="ko-KR" dirty="0"/>
+              <a:t>High degree of </a:t>
+            </a:r>
+            <a:r>
+              <a:rPr lang="en-US" altLang="ko-KR" b="1" dirty="0"/>
+              <a:t>reliability</a:t>
+            </a:r>
+          </a:p>
+          <a:p>
+            <a:pPr lvl="1"/>
+            <a:r>
+              <a:rPr lang="en-US" altLang="ko-KR" dirty="0"/>
+              <a:t>The OS must also run non-stop.</a:t>
+            </a:r>
+          </a:p>
+          <a:p>
+            <a:pPr lvl="1"/>
+            <a:endParaRPr lang="en-US" altLang="ko-KR" dirty="0"/>
+          </a:p>
+          <a:p>
+            <a:r>
+              <a:rPr lang="en-US" altLang="ko-KR" dirty="0"/>
+              <a:t>Other issues</a:t>
+            </a:r>
+          </a:p>
+          <a:p>
+            <a:pPr lvl="1"/>
+            <a:r>
+              <a:rPr lang="en-US" altLang="ko-KR" b="1" dirty="0"/>
+              <a:t>Energy-efficiency</a:t>
+            </a:r>
+          </a:p>
+          <a:p>
+            <a:pPr lvl="1"/>
+            <a:r>
+              <a:rPr lang="en-US" altLang="ko-KR" b="1" dirty="0"/>
+              <a:t>Security</a:t>
+            </a:r>
+          </a:p>
+          <a:p>
+            <a:pPr lvl="1"/>
+            <a:r>
+              <a:rPr lang="en-US" altLang="ko-KR" b="1" dirty="0"/>
+              <a:t>Mobility</a:t>
+            </a:r>
+          </a:p>
+          <a:p>
+            <a:pPr lvl="1"/>
+            <a:endParaRPr lang="ko-KR" altLang="en-US" dirty="0"/>
+          </a:p>
+        </p:txBody>
+      </p:sp>
+    </p:spTree>
+    <p:extLst>
+      <p:ext uri="{BB962C8B-B14F-4D97-AF65-F5344CB8AC3E}">
+        <p14:creationId xmlns:p14="http://schemas.microsoft.com/office/powerpoint/2010/main" val="1028690875"/>
+      </p:ext>
+    </p:extLst>
+  </p:cSld>
+  <p:clrMapOvr>
+    <a:masterClrMapping/>
+  </p:clrMapOvr>
+  <p:transition>
+    <p:zoom/>
+  </p:transition>
+</p:sld>
+</file>
+
+<file path=ppt/slides/slide32.xml><?xml version="1.0" encoding="utf-8"?>
+<p:sld xmlns:a="http://schemas.openxmlformats.org/drawingml/2006/main" xmlns:r="http://schemas.openxmlformats.org/officeDocument/2006/relationships" xmlns:p="http://schemas.openxmlformats.org/presentationml/2006/main">
+  <p:cSld>
+    <p:spTree>
+      <p:nvGrpSpPr>
+        <p:cNvPr id="1" name=""/>
+        <p:cNvGrpSpPr/>
+        <p:nvPr/>
+      </p:nvGrpSpPr>
+      <p:grpSpPr>
+        <a:xfrm>
+          <a:off x="0" y="0"/>
+          <a:ext cx="0" cy="0"/>
+          <a:chOff x="0" y="0"/>
+          <a:chExt cx="0" cy="0"/>
+        </a:xfrm>
+      </p:grpSpPr>
+      <p:sp>
+        <p:nvSpPr>
+          <p:cNvPr id="2" name="Text Placeholder 1">
+            <a:extLst>
+              <a:ext uri="{FF2B5EF4-FFF2-40B4-BE49-F238E27FC236}">
+                <a16:creationId xmlns:a16="http://schemas.microsoft.com/office/drawing/2014/main" id="{40432286-779A-4CB8-9A0E-096A66AD290A}"/>
+              </a:ext>
+            </a:extLst>
+          </p:cNvPr>
+          <p:cNvSpPr>
+            <a:spLocks noGrp="1"/>
+          </p:cNvSpPr>
+          <p:nvPr>
+            <p:ph type="body" idx="1"/>
+          </p:nvPr>
+        </p:nvSpPr>
+        <p:spPr/>
+        <p:txBody>
+          <a:bodyPr/>
+          <a:lstStyle/>
+          <a:p>
+            <a:r>
+              <a:rPr lang="en-US" dirty="0"/>
+              <a:t>Some History</a:t>
+            </a:r>
+            <a:endParaRPr lang="en-PH" dirty="0"/>
+          </a:p>
+        </p:txBody>
+      </p:sp>
+    </p:spTree>
+    <p:extLst>
+      <p:ext uri="{BB962C8B-B14F-4D97-AF65-F5344CB8AC3E}">
+        <p14:creationId xmlns:p14="http://schemas.microsoft.com/office/powerpoint/2010/main" val="2109581175"/>
+      </p:ext>
+    </p:extLst>
+  </p:cSld>
+  <p:clrMapOvr>
+    <a:masterClrMapping/>
+  </p:clrMapOvr>
+  <p:transition>
+    <p:zoom/>
+  </p:transition>
+</p:sld>
+</file>
+
+<file path=ppt/slides/slide33.xml><?xml version="1.0" encoding="utf-8"?>
+<p:sld xmlns:a="http://schemas.openxmlformats.org/drawingml/2006/main" xmlns:r="http://schemas.openxmlformats.org/officeDocument/2006/relationships" xmlns:p="http://schemas.openxmlformats.org/presentationml/2006/main">
+  <p:cSld>
+    <p:spTree>
+      <p:nvGrpSpPr>
+        <p:cNvPr id="1" name=""/>
+        <p:cNvGrpSpPr/>
+        <p:nvPr/>
+      </p:nvGrpSpPr>
+      <p:grpSpPr>
+        <a:xfrm>
+          <a:off x="0" y="0"/>
+          <a:ext cx="0" cy="0"/>
+          <a:chOff x="0" y="0"/>
+          <a:chExt cx="0" cy="0"/>
+        </a:xfrm>
+      </p:grpSpPr>
+      <p:sp>
+        <p:nvSpPr>
+          <p:cNvPr id="3" name="Title 2">
+            <a:extLst>
+              <a:ext uri="{FF2B5EF4-FFF2-40B4-BE49-F238E27FC236}">
+                <a16:creationId xmlns:a16="http://schemas.microsoft.com/office/drawing/2014/main" id="{B0991BEF-5E2B-412D-BC8E-11D6EBA7856C}"/>
+              </a:ext>
+            </a:extLst>
+          </p:cNvPr>
+          <p:cNvSpPr>
+            <a:spLocks noGrp="1"/>
+          </p:cNvSpPr>
+          <p:nvPr>
+            <p:ph type="title"/>
+          </p:nvPr>
+        </p:nvSpPr>
+        <p:spPr/>
+        <p:txBody>
+          <a:bodyPr/>
+          <a:lstStyle/>
+          <a:p>
+            <a:r>
+              <a:rPr lang="en-US" dirty="0"/>
+              <a:t>Early Operating Systems: Just Libraries</a:t>
+            </a:r>
+            <a:endParaRPr lang="en-PH" dirty="0"/>
+          </a:p>
+        </p:txBody>
+      </p:sp>
+      <p:sp>
+        <p:nvSpPr>
+          <p:cNvPr id="4" name="Content Placeholder 3">
+            <a:extLst>
+              <a:ext uri="{FF2B5EF4-FFF2-40B4-BE49-F238E27FC236}">
+                <a16:creationId xmlns:a16="http://schemas.microsoft.com/office/drawing/2014/main" id="{6F978308-492D-42DD-8388-CEB8E813854E}"/>
+              </a:ext>
+            </a:extLst>
+          </p:cNvPr>
+          <p:cNvSpPr>
+            <a:spLocks noGrp="1"/>
+          </p:cNvSpPr>
+          <p:nvPr>
+            <p:ph idx="1"/>
+          </p:nvPr>
+        </p:nvSpPr>
+        <p:spPr/>
+        <p:txBody>
+          <a:bodyPr/>
+          <a:lstStyle/>
+          <a:p>
+            <a:r>
+              <a:rPr lang="en-US" dirty="0"/>
+              <a:t>Just a library of commonly used functions (ex. Low-level I/O)</a:t>
+            </a:r>
+          </a:p>
+          <a:p>
+            <a:r>
+              <a:rPr lang="en-US" dirty="0"/>
+              <a:t>Old mainframes run one program at a time controlled by a human operator</a:t>
+            </a:r>
+          </a:p>
+          <a:p>
+            <a:r>
+              <a:rPr lang="en-US" b="1" dirty="0"/>
+              <a:t>batch processing</a:t>
+            </a:r>
+            <a:r>
+              <a:rPr lang="en-US" dirty="0"/>
+              <a:t> – jobs run by “batch”</a:t>
+            </a:r>
+          </a:p>
+          <a:p>
+            <a:r>
+              <a:rPr lang="en-US" dirty="0"/>
+              <a:t>Non-interactive</a:t>
+            </a:r>
+            <a:endParaRPr lang="en-PH" dirty="0"/>
+          </a:p>
+        </p:txBody>
+      </p:sp>
+    </p:spTree>
+    <p:extLst>
+      <p:ext uri="{BB962C8B-B14F-4D97-AF65-F5344CB8AC3E}">
+        <p14:creationId xmlns:p14="http://schemas.microsoft.com/office/powerpoint/2010/main" val="193756450"/>
+      </p:ext>
+    </p:extLst>
+  </p:cSld>
+  <p:clrMapOvr>
+    <a:masterClrMapping/>
+  </p:clrMapOvr>
+  <p:transition>
+    <p:zoom/>
+  </p:transition>
+</p:sld>
+</file>
+
+<file path=ppt/slides/slide34.xml><?xml version="1.0" encoding="utf-8"?>
+<p:sld xmlns:a="http://schemas.openxmlformats.org/drawingml/2006/main" xmlns:r="http://schemas.openxmlformats.org/officeDocument/2006/relationships" xmlns:p="http://schemas.openxmlformats.org/presentationml/2006/main">
+  <p:cSld>
+    <p:spTree>
+      <p:nvGrpSpPr>
+        <p:cNvPr id="1" name=""/>
+        <p:cNvGrpSpPr/>
+        <p:nvPr/>
+      </p:nvGrpSpPr>
+      <p:grpSpPr>
+        <a:xfrm>
+          <a:off x="0" y="0"/>
+          <a:ext cx="0" cy="0"/>
+          <a:chOff x="0" y="0"/>
+          <a:chExt cx="0" cy="0"/>
+        </a:xfrm>
+      </p:grpSpPr>
+      <p:sp>
+        <p:nvSpPr>
+          <p:cNvPr id="3" name="Title 2">
+            <a:extLst>
+              <a:ext uri="{FF2B5EF4-FFF2-40B4-BE49-F238E27FC236}">
+                <a16:creationId xmlns:a16="http://schemas.microsoft.com/office/drawing/2014/main" id="{37576997-8E8A-447F-B115-82B35DC59272}"/>
+              </a:ext>
+            </a:extLst>
+          </p:cNvPr>
+          <p:cNvSpPr>
+            <a:spLocks noGrp="1"/>
+          </p:cNvSpPr>
+          <p:nvPr>
+            <p:ph type="title"/>
+          </p:nvPr>
+        </p:nvSpPr>
+        <p:spPr/>
+        <p:txBody>
+          <a:bodyPr/>
+          <a:lstStyle/>
+          <a:p>
+            <a:r>
+              <a:rPr lang="en-US" dirty="0"/>
+              <a:t>Beyond Libraries: Protection</a:t>
+            </a:r>
+            <a:endParaRPr lang="en-PH" dirty="0"/>
+          </a:p>
+        </p:txBody>
+      </p:sp>
+      <p:sp>
+        <p:nvSpPr>
+          <p:cNvPr id="4" name="Content Placeholder 3">
+            <a:extLst>
+              <a:ext uri="{FF2B5EF4-FFF2-40B4-BE49-F238E27FC236}">
+                <a16:creationId xmlns:a16="http://schemas.microsoft.com/office/drawing/2014/main" id="{E5A6DB2C-77EF-4A04-AFC9-6F1C3A780FEA}"/>
+              </a:ext>
+            </a:extLst>
+          </p:cNvPr>
+          <p:cNvSpPr>
+            <a:spLocks noGrp="1"/>
+          </p:cNvSpPr>
+          <p:nvPr>
+            <p:ph idx="1"/>
+          </p:nvPr>
+        </p:nvSpPr>
+        <p:spPr/>
+        <p:txBody>
+          <a:bodyPr/>
+          <a:lstStyle/>
+          <a:p>
+            <a:r>
+              <a:rPr lang="en-US" dirty="0"/>
+              <a:t>Realized that code run on behalf of the OS is “special”</a:t>
+            </a:r>
+          </a:p>
+          <a:p>
+            <a:r>
+              <a:rPr lang="en-US" dirty="0"/>
+              <a:t>OS code can be treated differently than application code</a:t>
+            </a:r>
+          </a:p>
+          <a:p>
+            <a:pPr lvl="1"/>
+            <a:r>
+              <a:rPr lang="en-US" dirty="0"/>
+              <a:t>More privileged </a:t>
+            </a:r>
+          </a:p>
+          <a:p>
+            <a:r>
+              <a:rPr lang="en-US" b="1" dirty="0"/>
+              <a:t>Systems call</a:t>
+            </a:r>
+            <a:r>
+              <a:rPr lang="en-US" dirty="0"/>
+              <a:t> was invented/introduced by the Atlas Computing System</a:t>
+            </a:r>
+          </a:p>
+          <a:p>
+            <a:pPr lvl="1"/>
+            <a:r>
+              <a:rPr lang="en-US" dirty="0"/>
+              <a:t>Added special pair of </a:t>
+            </a:r>
+            <a:r>
+              <a:rPr lang="en-US" u="sng" dirty="0"/>
+              <a:t>hardware instructions </a:t>
+            </a:r>
+            <a:r>
+              <a:rPr lang="en-US" dirty="0"/>
+              <a:t>and </a:t>
+            </a:r>
+            <a:r>
+              <a:rPr lang="en-US" u="sng" dirty="0"/>
+              <a:t>hardware state </a:t>
+            </a:r>
+          </a:p>
+          <a:p>
+            <a:pPr lvl="1"/>
+            <a:r>
+              <a:rPr lang="en-US" dirty="0"/>
+              <a:t>Makes the transition into the OS a more formal, controlled process</a:t>
+            </a:r>
+          </a:p>
+          <a:p>
+            <a:r>
+              <a:rPr lang="en-PH" dirty="0"/>
+              <a:t>A system call differs from an ordinary procedure call in that it simultaneously raises the </a:t>
+            </a:r>
+            <a:r>
+              <a:rPr lang="en-PH" u="sng" dirty="0"/>
+              <a:t>hardware privilege level</a:t>
+            </a:r>
+            <a:r>
+              <a:rPr lang="en-PH" dirty="0"/>
+              <a:t> when    control is transferred (during jumps) – via a </a:t>
+            </a:r>
+            <a:r>
+              <a:rPr lang="en-PH" b="1" dirty="0"/>
+              <a:t>trap </a:t>
+            </a:r>
+            <a:r>
+              <a:rPr lang="en-PH" dirty="0"/>
+              <a:t>instruction</a:t>
+            </a:r>
+          </a:p>
+          <a:p>
+            <a:pPr lvl="1"/>
+            <a:r>
+              <a:rPr lang="en-PH" dirty="0"/>
+              <a:t>Changes the execution state to a more privileged level called the </a:t>
+            </a:r>
+            <a:r>
+              <a:rPr lang="en-PH" b="1" dirty="0"/>
+              <a:t>Kernel mode</a:t>
+            </a:r>
+          </a:p>
+          <a:p>
+            <a:r>
+              <a:rPr lang="en-PH" b="1" dirty="0"/>
+              <a:t>User mode</a:t>
+            </a:r>
+            <a:r>
+              <a:rPr lang="en-PH" dirty="0"/>
+              <a:t> – restricted/limited execution</a:t>
+            </a:r>
+          </a:p>
+          <a:p>
+            <a:pPr marL="457200" lvl="1" indent="0">
+              <a:buNone/>
+            </a:pPr>
+            <a:endParaRPr lang="en-PH" dirty="0"/>
+          </a:p>
+        </p:txBody>
+      </p:sp>
+    </p:spTree>
+    <p:extLst>
+      <p:ext uri="{BB962C8B-B14F-4D97-AF65-F5344CB8AC3E}">
+        <p14:creationId xmlns:p14="http://schemas.microsoft.com/office/powerpoint/2010/main" val="242574743"/>
+      </p:ext>
+    </p:extLst>
+  </p:cSld>
+  <p:clrMapOvr>
+    <a:masterClrMapping/>
+  </p:clrMapOvr>
+  <p:transition>
+    <p:zoom/>
+  </p:transition>
+</p:sld>
+</file>
+
+<file path=ppt/slides/slide35.xml><?xml version="1.0" encoding="utf-8"?>
+<p:sld xmlns:a="http://schemas.openxmlformats.org/drawingml/2006/main" xmlns:r="http://schemas.openxmlformats.org/officeDocument/2006/relationships" xmlns:p="http://schemas.openxmlformats.org/presentationml/2006/main">
+  <p:cSld>
+    <p:spTree>
+      <p:nvGrpSpPr>
+        <p:cNvPr id="1" name=""/>
+        <p:cNvGrpSpPr/>
+        <p:nvPr/>
+      </p:nvGrpSpPr>
+      <p:grpSpPr>
+        <a:xfrm>
+          <a:off x="0" y="0"/>
+          <a:ext cx="0" cy="0"/>
+          <a:chOff x="0" y="0"/>
+          <a:chExt cx="0" cy="0"/>
+        </a:xfrm>
+      </p:grpSpPr>
+      <p:sp>
+        <p:nvSpPr>
+          <p:cNvPr id="3" name="Title 2">
+            <a:extLst>
+              <a:ext uri="{FF2B5EF4-FFF2-40B4-BE49-F238E27FC236}">
+                <a16:creationId xmlns:a16="http://schemas.microsoft.com/office/drawing/2014/main" id="{E2579528-8C75-477F-BAE8-36D73513468E}"/>
+              </a:ext>
+            </a:extLst>
+          </p:cNvPr>
+          <p:cNvSpPr>
+            <a:spLocks noGrp="1"/>
+          </p:cNvSpPr>
+          <p:nvPr>
+            <p:ph type="title"/>
+          </p:nvPr>
+        </p:nvSpPr>
+        <p:spPr/>
+        <p:txBody>
+          <a:bodyPr/>
+          <a:lstStyle/>
+          <a:p>
+            <a:r>
+              <a:rPr lang="en-US" dirty="0"/>
+              <a:t>Multiprogramming Era</a:t>
+            </a:r>
+            <a:endParaRPr lang="en-PH" dirty="0"/>
+          </a:p>
+        </p:txBody>
+      </p:sp>
+      <p:sp>
+        <p:nvSpPr>
+          <p:cNvPr id="4" name="Content Placeholder 3">
+            <a:extLst>
+              <a:ext uri="{FF2B5EF4-FFF2-40B4-BE49-F238E27FC236}">
+                <a16:creationId xmlns:a16="http://schemas.microsoft.com/office/drawing/2014/main" id="{4B71C8E9-879B-4403-9189-8639403B4468}"/>
+              </a:ext>
+            </a:extLst>
+          </p:cNvPr>
+          <p:cNvSpPr>
+            <a:spLocks noGrp="1"/>
+          </p:cNvSpPr>
+          <p:nvPr>
+            <p:ph idx="1"/>
+          </p:nvPr>
+        </p:nvSpPr>
+        <p:spPr/>
+        <p:txBody>
+          <a:bodyPr/>
+          <a:lstStyle/>
+          <a:p>
+            <a:r>
+              <a:rPr lang="en-US" dirty="0"/>
+              <a:t>Introduction of the </a:t>
+            </a:r>
+            <a:r>
+              <a:rPr lang="en-US" b="1" dirty="0"/>
+              <a:t>minicomputer</a:t>
+            </a:r>
+          </a:p>
+          <a:p>
+            <a:r>
+              <a:rPr lang="en-PH" dirty="0"/>
+              <a:t>Increased developer activity as more and more people have access to hardware</a:t>
+            </a:r>
+          </a:p>
+          <a:p>
+            <a:r>
+              <a:rPr lang="en-PH" b="1" dirty="0"/>
+              <a:t>Multiprogramming</a:t>
+            </a:r>
+            <a:r>
+              <a:rPr lang="en-PH" dirty="0"/>
+              <a:t> – OS loads a number of jobs into memory and switch rapidly between them</a:t>
+            </a:r>
+          </a:p>
+          <a:p>
+            <a:pPr lvl="1"/>
+            <a:r>
+              <a:rPr lang="en-PH" dirty="0"/>
+              <a:t>Improves </a:t>
+            </a:r>
+            <a:r>
+              <a:rPr lang="en-PH" b="1" dirty="0"/>
+              <a:t>CPU utilization</a:t>
+            </a:r>
+          </a:p>
+          <a:p>
+            <a:pPr lvl="1"/>
+            <a:r>
+              <a:rPr lang="en-PH" dirty="0"/>
+              <a:t>Switch to another job when one job is waiting for I/O operation to complete</a:t>
+            </a:r>
+          </a:p>
+          <a:p>
+            <a:r>
+              <a:rPr lang="en-PH" dirty="0"/>
+              <a:t>Concept of </a:t>
+            </a:r>
+            <a:r>
+              <a:rPr lang="en-PH" b="1" dirty="0"/>
+              <a:t>memory protection</a:t>
+            </a:r>
+            <a:r>
+              <a:rPr lang="en-PH" dirty="0"/>
+              <a:t> and </a:t>
+            </a:r>
+            <a:r>
+              <a:rPr lang="en-PH" b="1" dirty="0"/>
+              <a:t>concurrency problems</a:t>
+            </a:r>
+            <a:r>
+              <a:rPr lang="en-PH" dirty="0"/>
+              <a:t> were introduced</a:t>
+            </a:r>
+          </a:p>
+          <a:p>
+            <a:r>
+              <a:rPr lang="en-PH" dirty="0"/>
+              <a:t>Introduction of the UNIX operating system</a:t>
+            </a:r>
+          </a:p>
+          <a:p>
+            <a:endParaRPr lang="en-PH" dirty="0"/>
+          </a:p>
+          <a:p>
+            <a:endParaRPr lang="en-PH" b="1" dirty="0"/>
+          </a:p>
+          <a:p>
+            <a:pPr lvl="1"/>
+            <a:endParaRPr lang="en-PH" dirty="0"/>
+          </a:p>
+        </p:txBody>
+      </p:sp>
+    </p:spTree>
+    <p:extLst>
+      <p:ext uri="{BB962C8B-B14F-4D97-AF65-F5344CB8AC3E}">
+        <p14:creationId xmlns:p14="http://schemas.microsoft.com/office/powerpoint/2010/main" val="2815065763"/>
+      </p:ext>
+    </p:extLst>
+  </p:cSld>
+  <p:clrMapOvr>
+    <a:masterClrMapping/>
+  </p:clrMapOvr>
+  <p:transition>
+    <p:zoom/>
+  </p:transition>
+</p:sld>
+</file>
+
+<file path=ppt/slides/slide36.xml><?xml version="1.0" encoding="utf-8"?>
+<p:sld xmlns:a="http://schemas.openxmlformats.org/drawingml/2006/main" xmlns:r="http://schemas.openxmlformats.org/officeDocument/2006/relationships" xmlns:p="http://schemas.openxmlformats.org/presentationml/2006/main">
+  <p:cSld>
+    <p:spTree>
+      <p:nvGrpSpPr>
+        <p:cNvPr id="1" name=""/>
+        <p:cNvGrpSpPr/>
+        <p:nvPr/>
+      </p:nvGrpSpPr>
+      <p:grpSpPr>
+        <a:xfrm>
+          <a:off x="0" y="0"/>
+          <a:ext cx="0" cy="0"/>
+          <a:chOff x="0" y="0"/>
+          <a:chExt cx="0" cy="0"/>
+        </a:xfrm>
+      </p:grpSpPr>
+      <p:sp>
+        <p:nvSpPr>
+          <p:cNvPr id="3" name="Title 2">
+            <a:extLst>
+              <a:ext uri="{FF2B5EF4-FFF2-40B4-BE49-F238E27FC236}">
+                <a16:creationId xmlns:a16="http://schemas.microsoft.com/office/drawing/2014/main" id="{554CA492-1191-4A08-B598-2C667BC9D6A5}"/>
+              </a:ext>
+            </a:extLst>
+          </p:cNvPr>
+          <p:cNvSpPr>
+            <a:spLocks noGrp="1"/>
+          </p:cNvSpPr>
+          <p:nvPr>
+            <p:ph type="title"/>
+          </p:nvPr>
+        </p:nvSpPr>
+        <p:spPr/>
+        <p:txBody>
+          <a:bodyPr/>
+          <a:lstStyle/>
+          <a:p>
+            <a:r>
+              <a:rPr lang="en-US" dirty="0"/>
+              <a:t>Modern Era</a:t>
+            </a:r>
+            <a:endParaRPr lang="en-PH" dirty="0"/>
+          </a:p>
+        </p:txBody>
+      </p:sp>
+      <p:sp>
+        <p:nvSpPr>
+          <p:cNvPr id="4" name="Content Placeholder 3">
+            <a:extLst>
+              <a:ext uri="{FF2B5EF4-FFF2-40B4-BE49-F238E27FC236}">
+                <a16:creationId xmlns:a16="http://schemas.microsoft.com/office/drawing/2014/main" id="{5D9A8886-D1AC-4882-B7A9-C48A2D55DF6D}"/>
+              </a:ext>
+            </a:extLst>
+          </p:cNvPr>
+          <p:cNvSpPr>
+            <a:spLocks noGrp="1"/>
+          </p:cNvSpPr>
+          <p:nvPr>
+            <p:ph idx="1"/>
+          </p:nvPr>
+        </p:nvSpPr>
+        <p:spPr/>
+        <p:txBody>
+          <a:bodyPr/>
+          <a:lstStyle/>
+          <a:p>
+            <a:r>
+              <a:rPr lang="en-US" dirty="0"/>
+              <a:t>Introduction of the </a:t>
+            </a:r>
+            <a:r>
+              <a:rPr lang="en-US" b="1" dirty="0"/>
+              <a:t>personal computer</a:t>
+            </a:r>
+          </a:p>
+          <a:p>
+            <a:r>
+              <a:rPr lang="en-US" dirty="0"/>
+              <a:t>Disk Operating System (DOS) was introduced – very limited and poorly-designed</a:t>
+            </a:r>
+          </a:p>
+          <a:p>
+            <a:pPr lvl="1"/>
+            <a:r>
+              <a:rPr lang="en-US" dirty="0"/>
+              <a:t>No protection, single-user</a:t>
+            </a:r>
+          </a:p>
+          <a:p>
+            <a:r>
+              <a:rPr lang="en-US" dirty="0"/>
+              <a:t>During the late 90’s and early 2000’s - has forgotten the lessons during the minicomputer era</a:t>
+            </a:r>
+          </a:p>
+          <a:p>
+            <a:r>
+              <a:rPr lang="en-US" dirty="0"/>
+              <a:t>Has improved now!</a:t>
+            </a:r>
+          </a:p>
+          <a:p>
+            <a:pPr lvl="1"/>
+            <a:r>
+              <a:rPr lang="en-US" dirty="0"/>
+              <a:t>Introduction of Linux</a:t>
+            </a:r>
+          </a:p>
+          <a:p>
+            <a:pPr lvl="1"/>
+            <a:r>
+              <a:rPr lang="en-US" dirty="0"/>
+              <a:t>Improvements in Windows and Mac OS</a:t>
+            </a:r>
+          </a:p>
+          <a:p>
+            <a:pPr lvl="1"/>
+            <a:r>
+              <a:rPr lang="en-US" dirty="0"/>
+              <a:t>Mobile Devices and Networks</a:t>
+            </a:r>
+            <a:endParaRPr lang="en-PH" dirty="0"/>
+          </a:p>
+        </p:txBody>
+      </p:sp>
+    </p:spTree>
+    <p:extLst>
+      <p:ext uri="{BB962C8B-B14F-4D97-AF65-F5344CB8AC3E}">
+        <p14:creationId xmlns:p14="http://schemas.microsoft.com/office/powerpoint/2010/main" val="389705995"/>
       </p:ext>
     </p:extLst>
   </p:cSld>
@@ -12880,9 +14770,75 @@
             </a:r>
             <a:r>
               <a:rPr lang="en-US" altLang="ko-KR" dirty="0"/>
-              <a:t>and so on.</a:t>
+              <a:t>and so on (until completion).</a:t>
             </a:r>
             <a:endParaRPr lang="ko-KR" altLang="en-US" dirty="0"/>
+          </a:p>
+        </p:txBody>
+      </p:sp>
+      <p:sp>
+        <p:nvSpPr>
+          <p:cNvPr id="4" name="모서리가 둥근 직사각형 5">
+            <a:extLst>
+              <a:ext uri="{FF2B5EF4-FFF2-40B4-BE49-F238E27FC236}">
+                <a16:creationId xmlns:a16="http://schemas.microsoft.com/office/drawing/2014/main" id="{A64D70FA-0070-4604-8A32-6A6E6341C01D}"/>
+              </a:ext>
+            </a:extLst>
+          </p:cNvPr>
+          <p:cNvSpPr/>
+          <p:nvPr/>
+        </p:nvSpPr>
+        <p:spPr>
+          <a:xfrm>
+            <a:off x="2567608" y="3599665"/>
+            <a:ext cx="6840760" cy="936104"/>
+          </a:xfrm>
+          <a:prstGeom prst="roundRect">
+            <a:avLst/>
+          </a:prstGeom>
+          <a:solidFill>
+            <a:srgbClr val="FFC000"/>
+          </a:solidFill>
+          <a:ln w="15875">
+            <a:solidFill>
+              <a:schemeClr val="accent6">
+                <a:lumMod val="50000"/>
+              </a:schemeClr>
+            </a:solidFill>
+          </a:ln>
+          <a:effectLst/>
+        </p:spPr>
+        <p:style>
+          <a:lnRef idx="3">
+            <a:schemeClr val="lt1"/>
+          </a:lnRef>
+          <a:fillRef idx="1">
+            <a:schemeClr val="accent1"/>
+          </a:fillRef>
+          <a:effectRef idx="1">
+            <a:schemeClr val="accent1"/>
+          </a:effectRef>
+          <a:fontRef idx="minor">
+            <a:schemeClr val="lt1"/>
+          </a:fontRef>
+        </p:style>
+        <p:txBody>
+          <a:bodyPr wrap="square" lIns="108000" rIns="108000" rtlCol="0" anchor="ctr">
+            <a:noAutofit/>
+          </a:bodyPr>
+          <a:lstStyle/>
+          <a:p>
+            <a:pPr algn="ctr"/>
+            <a:r>
+              <a:rPr lang="en-US" altLang="ko-KR" sz="2000" b="1" dirty="0">
+                <a:solidFill>
+                  <a:prstClr val="black"/>
+                </a:solidFill>
+                <a:latin typeface="맑은 고딕" panose="020B0503020000020004" pitchFamily="50" charset="-127"/>
+                <a:ea typeface="맑은 고딕" panose="020B0503020000020004" pitchFamily="50" charset="-127"/>
+              </a:rPr>
+              <a:t>This is the Von Neumann model of computing.</a:t>
+            </a:r>
           </a:p>
         </p:txBody>
       </p:sp>
@@ -13084,7 +15040,7 @@
                 <a:latin typeface="맑은 고딕" panose="020B0503020000020004" pitchFamily="50" charset="-127"/>
                 <a:ea typeface="맑은 고딕" panose="020B0503020000020004" pitchFamily="50" charset="-127"/>
               </a:rPr>
-              <a:t> and </a:t>
+              <a:t>, </a:t>
             </a:r>
             <a:r>
               <a:rPr lang="en-US" altLang="ko-KR" sz="2000" b="1" dirty="0">
@@ -13094,18 +15050,55 @@
                 <a:latin typeface="맑은 고딕" panose="020B0503020000020004" pitchFamily="50" charset="-127"/>
                 <a:ea typeface="맑은 고딕" panose="020B0503020000020004" pitchFamily="50" charset="-127"/>
               </a:rPr>
-              <a:t>efficiently</a:t>
+              <a:t>efficiently, </a:t>
             </a:r>
             <a:r>
               <a:rPr lang="en-US" altLang="ko-KR" sz="2000" b="1" dirty="0">
                 <a:solidFill>
-                  <a:prstClr val="black"/>
+                  <a:schemeClr val="tx1"/>
                 </a:solidFill>
                 <a:latin typeface="맑은 고딕" panose="020B0503020000020004" pitchFamily="50" charset="-127"/>
                 <a:ea typeface="맑은 고딕" panose="020B0503020000020004" pitchFamily="50" charset="-127"/>
               </a:rPr>
+              <a:t>and in an </a:t>
+            </a:r>
+            <a:r>
+              <a:rPr lang="en-US" altLang="ko-KR" sz="2000" b="1" dirty="0">
+                <a:solidFill>
+                  <a:srgbClr val="FF0000"/>
+                </a:solidFill>
+                <a:latin typeface="맑은 고딕" panose="020B0503020000020004" pitchFamily="50" charset="-127"/>
+                <a:ea typeface="맑은 고딕" panose="020B0503020000020004" pitchFamily="50" charset="-127"/>
+              </a:rPr>
+              <a:t>easy-to-use </a:t>
+            </a:r>
+            <a:r>
+              <a:rPr lang="en-US" altLang="ko-KR" sz="2000" b="1" dirty="0">
+                <a:solidFill>
+                  <a:schemeClr val="tx1"/>
+                </a:solidFill>
+                <a:latin typeface="맑은 고딕" panose="020B0503020000020004" pitchFamily="50" charset="-127"/>
+                <a:ea typeface="맑은 고딕" panose="020B0503020000020004" pitchFamily="50" charset="-127"/>
+              </a:rPr>
+              <a:t>manner</a:t>
+            </a:r>
+            <a:r>
+              <a:rPr lang="en-US" altLang="ko-KR" sz="2000" b="1" dirty="0">
+                <a:solidFill>
+                  <a:srgbClr val="FF0000"/>
+                </a:solidFill>
+                <a:latin typeface="맑은 고딕" panose="020B0503020000020004" pitchFamily="50" charset="-127"/>
+                <a:ea typeface="맑은 고딕" panose="020B0503020000020004" pitchFamily="50" charset="-127"/>
+              </a:rPr>
               <a:t>.</a:t>
             </a:r>
+            <a:endParaRPr lang="en-US" altLang="ko-KR" sz="2000" b="1" dirty="0">
+              <a:solidFill>
+                <a:prstClr val="black"/>
+              </a:solidFill>
+              <a:latin typeface="맑은 고딕" panose="020B0503020000020004" pitchFamily="50" charset="-127"/>
+              <a:ea typeface="맑은 고딕" panose="020B0503020000020004" pitchFamily="50" charset="-127"/>
+            </a:endParaRPr>
           </a:p>
         </p:txBody>
       </p:sp>
@@ -13182,6 +15175,20 @@
           <a:p>
             <a:r>
               <a:rPr lang="en-US" altLang="ko-KR" dirty="0"/>
+              <a:t>The primary way to realize the goals presented in the previous slide is through </a:t>
+            </a:r>
+            <a:r>
+              <a:rPr lang="en-US" altLang="ko-KR" b="1" dirty="0"/>
+              <a:t>virtualization</a:t>
+            </a:r>
+            <a:r>
+              <a:rPr lang="en-US" altLang="ko-KR" dirty="0"/>
+              <a:t>.</a:t>
+            </a:r>
+          </a:p>
+          <a:p>
+            <a:r>
+              <a:rPr lang="en-US" altLang="ko-KR" dirty="0"/>
               <a:t>The OS takes </a:t>
             </a:r>
             <a:r>
@@ -13334,7 +15341,7 @@
           <a:p>
             <a:r>
               <a:rPr lang="en-US" altLang="ko-KR" dirty="0"/>
-              <a:t>System call</a:t>
+              <a:t>System calls</a:t>
             </a:r>
             <a:endParaRPr lang="ko-KR" altLang="en-US" dirty="0"/>
           </a:p>
@@ -13357,29 +15364,34 @@
           <a:p>
             <a:r>
               <a:rPr lang="en-US" altLang="ko-KR" dirty="0"/>
-              <a:t>System call allows user </a:t>
+              <a:t>System calls allow user </a:t>
             </a:r>
             <a:r>
               <a:rPr lang="en-US" altLang="ko-KR" b="1" dirty="0"/>
               <a:t>to tell the OS what to do</a:t>
             </a:r>
-            <a:r>
-              <a:rPr lang="en-US" altLang="ko-KR" dirty="0"/>
-              <a:t>.</a:t>
-            </a:r>
+            <a:endParaRPr lang="en-US" altLang="ko-KR" dirty="0"/>
           </a:p>
           <a:p>
             <a:pPr lvl="1"/>
             <a:r>
               <a:rPr lang="en-US" altLang="ko-KR" dirty="0"/>
-              <a:t>The OS provides some interface (APIs, standard library).</a:t>
+              <a:t>The OS provides some </a:t>
+            </a:r>
+            <a:r>
+              <a:rPr lang="en-US" altLang="ko-KR" b="1" dirty="0"/>
+              <a:t>interface</a:t>
+            </a:r>
+            <a:r>
+              <a:rPr lang="en-US" altLang="ko-KR" dirty="0"/>
+              <a:t> (APIs, standard library).</a:t>
             </a:r>
           </a:p>
           <a:p>
             <a:pPr lvl="1"/>
             <a:r>
               <a:rPr lang="en-US" altLang="ko-KR" dirty="0"/>
-              <a:t>A typical OS exports a few hundred system calls.</a:t>
+              <a:t>A typical OS exports a few hundred system calls for tasks such as the following:</a:t>
             </a:r>
           </a:p>
           <a:p>
@@ -13400,7 +15412,7 @@
             <a:pPr lvl="2"/>
             <a:r>
               <a:rPr lang="en-US" altLang="ko-KR" dirty="0"/>
-              <a:t>Access devices</a:t>
+              <a:t>Access devices files</a:t>
             </a:r>
           </a:p>
           <a:p>
@@ -13459,7 +15471,7 @@
           <a:p>
             <a:r>
               <a:rPr lang="en-US" altLang="ko-KR" dirty="0"/>
-              <a:t>The OS is a resource manager.</a:t>
+              <a:t>The OS as a resource manager</a:t>
             </a:r>
             <a:endParaRPr lang="ko-KR" altLang="en-US" dirty="0"/>
           </a:p>
@@ -13482,11 +15494,11 @@
           <a:p>
             <a:r>
               <a:rPr lang="en-US" altLang="ko-KR" dirty="0"/>
-              <a:t>The OS </a:t>
+              <a:t>The OS manages</a:t>
             </a:r>
             <a:r>
               <a:rPr lang="en-US" altLang="ko-KR" b="1" dirty="0"/>
-              <a:t>manage resources </a:t>
+              <a:t> resources </a:t>
             </a:r>
             <a:r>
               <a:rPr lang="en-US" altLang="ko-KR" dirty="0"/>
@@ -13502,7 +15514,7 @@
             </a:r>
             <a:r>
               <a:rPr lang="en-US" altLang="ko-KR" i="1" dirty="0"/>
-              <a:t>memory</a:t>
+              <a:t>memory,</a:t>
             </a:r>
             <a:r>
               <a:rPr lang="en-US" altLang="ko-KR" dirty="0"/>
@@ -13583,7 +15595,28 @@
               </a:rPr>
               <a:t>disks</a:t>
             </a:r>
-            <a:endParaRPr lang="en-US" altLang="ko-KR" u="sng" dirty="0"/>
+          </a:p>
+          <a:p>
+            <a:r>
+              <a:rPr lang="en-US" altLang="ko-KR" dirty="0"/>
+              <a:t>Management goals: </a:t>
+            </a:r>
+            <a:r>
+              <a:rPr lang="en-US" altLang="ko-KR" u="sng" dirty="0"/>
+              <a:t>fairness</a:t>
+            </a:r>
+            <a:r>
+              <a:rPr lang="en-US" altLang="ko-KR" dirty="0"/>
+              <a:t>, </a:t>
+            </a:r>
+            <a:r>
+              <a:rPr lang="en-US" altLang="ko-KR" u="sng" dirty="0"/>
+              <a:t>efficiency</a:t>
+            </a:r>
+            <a:r>
+              <a:rPr lang="en-US" altLang="ko-KR" dirty="0"/>
+              <a:t>, etc.</a:t>
+            </a:r>
           </a:p>
           <a:p>
             <a:pPr lvl="1"/>
